--- a/Group Project one .pptx
+++ b/Group Project one .pptx
@@ -113,6 +113,11 @@
       </a:defRPr>
     </a:lvl9pPr>
   </p:defaultTextStyle>
+  <p:extLst>
+    <p:ext uri="{EFAFB233-063F-42B5-8137-9DF3F51BA10A}">
+      <p15:sldGuideLst xmlns:p15="http://schemas.microsoft.com/office/powerpoint/2012/main"/>
+    </p:ext>
+  </p:extLst>
 </p:presentation>
 </file>
 
@@ -286,7 +291,7 @@
           <a:p>
             <a:fld id="{48A87A34-81AB-432B-8DAE-1953F412C126}" type="datetimeFigureOut">
               <a:rPr lang="en-US" dirty="0"/>
-              <a:t>1/17/19</a:t>
+              <a:t>1/19/2019</a:t>
             </a:fld>
             <a:endParaRPr lang="en-US" dirty="0"/>
           </a:p>
@@ -548,7 +553,7 @@
           <a:p>
             <a:fld id="{48A87A34-81AB-432B-8DAE-1953F412C126}" type="datetimeFigureOut">
               <a:rPr lang="en-US" dirty="0"/>
-              <a:t>1/17/19</a:t>
+              <a:t>1/19/2019</a:t>
             </a:fld>
             <a:endParaRPr lang="en-US" dirty="0"/>
           </a:p>
@@ -775,7 +780,7 @@
             <a:fld id="{48A87A34-81AB-432B-8DAE-1953F412C126}" type="datetimeFigureOut">
               <a:rPr lang="en-US" dirty="0"/>
               <a:pPr/>
-              <a:t>1/17/19</a:t>
+              <a:t>1/19/2019</a:t>
             </a:fld>
             <a:endParaRPr lang="en-US" dirty="0"/>
           </a:p>
@@ -1081,7 +1086,7 @@
             <a:fld id="{48A87A34-81AB-432B-8DAE-1953F412C126}" type="datetimeFigureOut">
               <a:rPr lang="en-US" dirty="0"/>
               <a:pPr/>
-              <a:t>1/17/19</a:t>
+              <a:t>1/19/2019</a:t>
             </a:fld>
             <a:endParaRPr lang="en-US" dirty="0"/>
           </a:p>
@@ -1550,7 +1555,7 @@
             <a:fld id="{48A87A34-81AB-432B-8DAE-1953F412C126}" type="datetimeFigureOut">
               <a:rPr lang="en-US" dirty="0"/>
               <a:pPr/>
-              <a:t>1/17/19</a:t>
+              <a:t>1/19/2019</a:t>
             </a:fld>
             <a:endParaRPr lang="en-US" dirty="0"/>
           </a:p>
@@ -2092,7 +2097,7 @@
           <a:p>
             <a:fld id="{48A87A34-81AB-432B-8DAE-1953F412C126}" type="datetimeFigureOut">
               <a:rPr lang="en-US" dirty="0"/>
-              <a:t>1/17/19</a:t>
+              <a:t>1/19/2019</a:t>
             </a:fld>
             <a:endParaRPr lang="en-US" dirty="0"/>
           </a:p>
@@ -2861,7 +2866,7 @@
           <a:p>
             <a:fld id="{48A87A34-81AB-432B-8DAE-1953F412C126}" type="datetimeFigureOut">
               <a:rPr lang="en-US" dirty="0"/>
-              <a:t>1/17/19</a:t>
+              <a:t>1/19/2019</a:t>
             </a:fld>
             <a:endParaRPr lang="en-US" dirty="0"/>
           </a:p>
@@ -3031,7 +3036,7 @@
           <a:p>
             <a:fld id="{48A87A34-81AB-432B-8DAE-1953F412C126}" type="datetimeFigureOut">
               <a:rPr lang="en-US" dirty="0"/>
-              <a:t>1/17/19</a:t>
+              <a:t>1/19/2019</a:t>
             </a:fld>
             <a:endParaRPr lang="en-US" dirty="0"/>
           </a:p>
@@ -3250,7 +3255,7 @@
             <a:fld id="{48A87A34-81AB-432B-8DAE-1953F412C126}" type="datetimeFigureOut">
               <a:rPr lang="en-US" dirty="0"/>
               <a:pPr/>
-              <a:t>1/17/19</a:t>
+              <a:t>1/19/2019</a:t>
             </a:fld>
             <a:endParaRPr lang="en-US" dirty="0"/>
           </a:p>
@@ -3425,7 +3430,7 @@
           <a:p>
             <a:fld id="{48A87A34-81AB-432B-8DAE-1953F412C126}" type="datetimeFigureOut">
               <a:rPr lang="en-US" dirty="0"/>
-              <a:t>1/17/19</a:t>
+              <a:t>1/19/2019</a:t>
             </a:fld>
             <a:endParaRPr lang="en-US" dirty="0"/>
           </a:p>
@@ -3710,7 +3715,7 @@
             <a:fld id="{48A87A34-81AB-432B-8DAE-1953F412C126}" type="datetimeFigureOut">
               <a:rPr lang="en-US" dirty="0"/>
               <a:pPr/>
-              <a:t>1/17/19</a:t>
+              <a:t>1/19/2019</a:t>
             </a:fld>
             <a:endParaRPr lang="en-US" dirty="0"/>
           </a:p>
@@ -3947,7 +3952,7 @@
           <a:p>
             <a:fld id="{48A87A34-81AB-432B-8DAE-1953F412C126}" type="datetimeFigureOut">
               <a:rPr lang="en-US" dirty="0"/>
-              <a:t>1/17/19</a:t>
+              <a:t>1/19/2019</a:t>
             </a:fld>
             <a:endParaRPr lang="en-US" dirty="0"/>
           </a:p>
@@ -4321,7 +4326,7 @@
           <a:p>
             <a:fld id="{48A87A34-81AB-432B-8DAE-1953F412C126}" type="datetimeFigureOut">
               <a:rPr lang="en-US" dirty="0"/>
-              <a:t>1/17/19</a:t>
+              <a:t>1/19/2019</a:t>
             </a:fld>
             <a:endParaRPr lang="en-US" dirty="0"/>
           </a:p>
@@ -4434,7 +4439,7 @@
           <a:p>
             <a:fld id="{48A87A34-81AB-432B-8DAE-1953F412C126}" type="datetimeFigureOut">
               <a:rPr lang="en-US" dirty="0"/>
-              <a:t>1/17/19</a:t>
+              <a:t>1/19/2019</a:t>
             </a:fld>
             <a:endParaRPr lang="en-US" dirty="0"/>
           </a:p>
@@ -4524,7 +4529,7 @@
           <a:p>
             <a:fld id="{48A87A34-81AB-432B-8DAE-1953F412C126}" type="datetimeFigureOut">
               <a:rPr lang="en-US" dirty="0"/>
-              <a:t>1/17/19</a:t>
+              <a:t>1/19/2019</a:t>
             </a:fld>
             <a:endParaRPr lang="en-US" dirty="0"/>
           </a:p>
@@ -4768,7 +4773,7 @@
           <a:p>
             <a:fld id="{48A87A34-81AB-432B-8DAE-1953F412C126}" type="datetimeFigureOut">
               <a:rPr lang="en-US" dirty="0"/>
-              <a:t>1/17/19</a:t>
+              <a:t>1/19/2019</a:t>
             </a:fld>
             <a:endParaRPr lang="en-US" dirty="0"/>
           </a:p>
@@ -5020,7 +5025,7 @@
           <a:p>
             <a:fld id="{48A87A34-81AB-432B-8DAE-1953F412C126}" type="datetimeFigureOut">
               <a:rPr lang="en-US" dirty="0"/>
-              <a:t>1/17/19</a:t>
+              <a:t>1/19/2019</a:t>
             </a:fld>
             <a:endParaRPr lang="en-US" dirty="0"/>
           </a:p>
@@ -5259,7 +5264,7 @@
             <a:fld id="{48A87A34-81AB-432B-8DAE-1953F412C126}" type="datetimeFigureOut">
               <a:rPr lang="en-US" dirty="0"/>
               <a:pPr/>
-              <a:t>1/17/19</a:t>
+              <a:t>1/19/2019</a:t>
             </a:fld>
             <a:endParaRPr lang="en-US" dirty="0"/>
           </a:p>
@@ -6040,31 +6045,35 @@
           </a:p>
         </p:txBody>
       </p:sp>
-      <p:sp>
-        <p:nvSpPr>
-          <p:cNvPr id="3" name="Content Placeholder 2">
+      <p:pic>
+        <p:nvPicPr>
+          <p:cNvPr id="17" name="Content Placeholder 16">
             <a:extLst>
               <a:ext uri="{FF2B5EF4-FFF2-40B4-BE49-F238E27FC236}">
-                <a16:creationId xmlns:a16="http://schemas.microsoft.com/office/drawing/2014/main" id="{0BC6E3C2-8AEE-2B4D-9BC9-5A1ACD713A50}"/>
+                <a16:creationId xmlns:a16="http://schemas.microsoft.com/office/drawing/2014/main" id="{70F59381-5A80-4767-8FE0-C7F559193CC6}"/>
               </a:ext>
             </a:extLst>
           </p:cNvPr>
-          <p:cNvSpPr>
-            <a:spLocks noGrp="1"/>
-          </p:cNvSpPr>
+          <p:cNvPicPr>
+            <a:picLocks noGrp="1" noChangeAspect="1"/>
+          </p:cNvPicPr>
           <p:nvPr>
             <p:ph idx="1"/>
           </p:nvPr>
-        </p:nvSpPr>
-        <p:spPr/>
-        <p:txBody>
-          <a:bodyPr/>
-          <a:lstStyle/>
-          <a:p>
-            <a:endParaRPr lang="en-US" dirty="0"/>
-          </a:p>
-        </p:txBody>
-      </p:sp>
+        </p:nvPicPr>
+        <p:blipFill>
+          <a:blip r:embed="rId2"/>
+          <a:stretch>
+            <a:fillRect/>
+          </a:stretch>
+        </p:blipFill>
+        <p:spPr>
+          <a:xfrm>
+            <a:off x="2993925" y="1921542"/>
+            <a:ext cx="6204149" cy="4024313"/>
+          </a:xfrm>
+        </p:spPr>
+      </p:pic>
     </p:spTree>
     <p:extLst>
       <p:ext uri="{BB962C8B-B14F-4D97-AF65-F5344CB8AC3E}">
@@ -6111,14 +6120,16 @@
             <p:ph type="title"/>
           </p:nvPr>
         </p:nvSpPr>
-        <p:spPr/>
-        <p:txBody>
-          <a:bodyPr/>
-          <a:lstStyle/>
-          <a:p>
-            <a:br>
-              <a:rPr lang="en-US" dirty="0"/>
-            </a:br>
+        <p:spPr>
+          <a:xfrm>
+            <a:off x="2895600" y="764373"/>
+            <a:ext cx="8610600" cy="976878"/>
+          </a:xfrm>
+        </p:spPr>
+        <p:txBody>
+          <a:bodyPr/>
+          <a:lstStyle/>
+          <a:p>
             <a:r>
               <a:rPr lang="en-US" dirty="0"/>
               <a:t>Economy : salary</a:t>
@@ -6126,31 +6137,35 @@
           </a:p>
         </p:txBody>
       </p:sp>
-      <p:sp>
-        <p:nvSpPr>
-          <p:cNvPr id="3" name="Content Placeholder 2">
+      <p:pic>
+        <p:nvPicPr>
+          <p:cNvPr id="5" name="Content Placeholder 4">
             <a:extLst>
               <a:ext uri="{FF2B5EF4-FFF2-40B4-BE49-F238E27FC236}">
-                <a16:creationId xmlns:a16="http://schemas.microsoft.com/office/drawing/2014/main" id="{FF73F815-0056-AE43-82C2-FDA29FD92196}"/>
+                <a16:creationId xmlns:a16="http://schemas.microsoft.com/office/drawing/2014/main" id="{A3A5A1CF-DEC6-403A-9015-B6E9C976B5BB}"/>
               </a:ext>
             </a:extLst>
           </p:cNvPr>
-          <p:cNvSpPr>
-            <a:spLocks noGrp="1"/>
-          </p:cNvSpPr>
+          <p:cNvPicPr>
+            <a:picLocks noGrp="1" noChangeAspect="1"/>
+          </p:cNvPicPr>
           <p:nvPr>
             <p:ph idx="1"/>
           </p:nvPr>
-        </p:nvSpPr>
-        <p:spPr/>
-        <p:txBody>
-          <a:bodyPr/>
-          <a:lstStyle/>
-          <a:p>
-            <a:endParaRPr lang="en-US"/>
-          </a:p>
-        </p:txBody>
-      </p:sp>
+        </p:nvPicPr>
+        <p:blipFill>
+          <a:blip r:embed="rId2"/>
+          <a:stretch>
+            <a:fillRect/>
+          </a:stretch>
+        </p:blipFill>
+        <p:spPr>
+          <a:xfrm>
+            <a:off x="2990088" y="1920240"/>
+            <a:ext cx="6208776" cy="4051287"/>
+          </a:xfrm>
+        </p:spPr>
+      </p:pic>
     </p:spTree>
     <p:extLst>
       <p:ext uri="{BB962C8B-B14F-4D97-AF65-F5344CB8AC3E}">

--- a/Group Project one .pptx
+++ b/Group Project one .pptx
@@ -6390,31 +6390,35 @@
           </a:p>
         </p:txBody>
       </p:sp>
-      <p:sp>
-        <p:nvSpPr>
-          <p:cNvPr id="3" name="Content Placeholder 2">
+      <p:pic>
+        <p:nvPicPr>
+          <p:cNvPr id="5" name="Content Placeholder 4">
             <a:extLst>
               <a:ext uri="{FF2B5EF4-FFF2-40B4-BE49-F238E27FC236}">
-                <a16:creationId xmlns:a16="http://schemas.microsoft.com/office/drawing/2014/main" id="{17C4C09D-2625-3B42-91B6-38603A2AC01B}"/>
+                <a16:creationId xmlns:a16="http://schemas.microsoft.com/office/drawing/2014/main" id="{42E6CA74-A927-411E-99BA-B7BD5079216E}"/>
               </a:ext>
             </a:extLst>
           </p:cNvPr>
-          <p:cNvSpPr>
-            <a:spLocks noGrp="1"/>
-          </p:cNvSpPr>
+          <p:cNvPicPr>
+            <a:picLocks noGrp="1" noChangeAspect="1"/>
+          </p:cNvPicPr>
           <p:nvPr>
             <p:ph idx="1"/>
           </p:nvPr>
-        </p:nvSpPr>
-        <p:spPr/>
-        <p:txBody>
-          <a:bodyPr/>
-          <a:lstStyle/>
-          <a:p>
-            <a:endParaRPr lang="en-US" dirty="0"/>
-          </a:p>
-        </p:txBody>
-      </p:sp>
+        </p:nvPicPr>
+        <p:blipFill>
+          <a:blip r:embed="rId2"/>
+          <a:stretch>
+            <a:fillRect/>
+          </a:stretch>
+        </p:blipFill>
+        <p:spPr>
+          <a:xfrm>
+            <a:off x="3413125" y="2193925"/>
+            <a:ext cx="5365750" cy="4024313"/>
+          </a:xfrm>
+        </p:spPr>
+      </p:pic>
     </p:spTree>
     <p:extLst>
       <p:ext uri="{BB962C8B-B14F-4D97-AF65-F5344CB8AC3E}">
@@ -6473,31 +6477,35 @@
           </a:p>
         </p:txBody>
       </p:sp>
-      <p:sp>
-        <p:nvSpPr>
-          <p:cNvPr id="3" name="Content Placeholder 2">
+      <p:pic>
+        <p:nvPicPr>
+          <p:cNvPr id="9" name="Content Placeholder 8">
             <a:extLst>
               <a:ext uri="{FF2B5EF4-FFF2-40B4-BE49-F238E27FC236}">
-                <a16:creationId xmlns:a16="http://schemas.microsoft.com/office/drawing/2014/main" id="{21EC7969-8A67-044F-A282-7775055B7B8A}"/>
+                <a16:creationId xmlns:a16="http://schemas.microsoft.com/office/drawing/2014/main" id="{478AEBEB-7594-4194-B523-FAC938C7C722}"/>
               </a:ext>
             </a:extLst>
           </p:cNvPr>
-          <p:cNvSpPr>
-            <a:spLocks noGrp="1"/>
-          </p:cNvSpPr>
+          <p:cNvPicPr>
+            <a:picLocks noGrp="1" noChangeAspect="1"/>
+          </p:cNvPicPr>
           <p:nvPr>
             <p:ph idx="1"/>
           </p:nvPr>
-        </p:nvSpPr>
-        <p:spPr/>
-        <p:txBody>
-          <a:bodyPr/>
-          <a:lstStyle/>
-          <a:p>
-            <a:endParaRPr lang="en-US" dirty="0"/>
-          </a:p>
-        </p:txBody>
-      </p:sp>
+        </p:nvPicPr>
+        <p:blipFill>
+          <a:blip r:embed="rId2"/>
+          <a:stretch>
+            <a:fillRect/>
+          </a:stretch>
+        </p:blipFill>
+        <p:spPr>
+          <a:xfrm>
+            <a:off x="2876549" y="2193925"/>
+            <a:ext cx="6438901" cy="4024313"/>
+          </a:xfrm>
+        </p:spPr>
+      </p:pic>
     </p:spTree>
     <p:extLst>
       <p:ext uri="{BB962C8B-B14F-4D97-AF65-F5344CB8AC3E}">

--- a/Group Project one .pptx
+++ b/Group Project one .pptx
@@ -14,7 +14,8 @@
     <p:sldId id="261" r:id="rId8"/>
     <p:sldId id="262" r:id="rId9"/>
     <p:sldId id="263" r:id="rId10"/>
-    <p:sldId id="265" r:id="rId11"/>
+    <p:sldId id="266" r:id="rId11"/>
+    <p:sldId id="265" r:id="rId12"/>
   </p:sldIdLst>
   <p:sldSz cx="12192000" cy="6858000"/>
   <p:notesSz cx="6858000" cy="9144000"/>
@@ -5770,6 +5771,153 @@
           <p:cNvPr id="2" name="Title 1">
             <a:extLst>
               <a:ext uri="{FF2B5EF4-FFF2-40B4-BE49-F238E27FC236}">
+                <a16:creationId xmlns:a16="http://schemas.microsoft.com/office/drawing/2014/main" id="{C64FFFF3-14C0-4203-B11B-D89D6C8FEC23}"/>
+              </a:ext>
+            </a:extLst>
+          </p:cNvPr>
+          <p:cNvSpPr>
+            <a:spLocks noGrp="1"/>
+          </p:cNvSpPr>
+          <p:nvPr>
+            <p:ph type="title"/>
+          </p:nvPr>
+        </p:nvSpPr>
+        <p:spPr/>
+        <p:txBody>
+          <a:bodyPr/>
+          <a:lstStyle/>
+          <a:p>
+            <a:r>
+              <a:rPr lang="en-US" dirty="0"/>
+              <a:t>Conclusions</a:t>
+            </a:r>
+          </a:p>
+        </p:txBody>
+      </p:sp>
+      <p:sp>
+        <p:nvSpPr>
+          <p:cNvPr id="3" name="Content Placeholder 2">
+            <a:extLst>
+              <a:ext uri="{FF2B5EF4-FFF2-40B4-BE49-F238E27FC236}">
+                <a16:creationId xmlns:a16="http://schemas.microsoft.com/office/drawing/2014/main" id="{1BF2444E-115A-4ECA-A800-5D48D6EDD2BC}"/>
+              </a:ext>
+            </a:extLst>
+          </p:cNvPr>
+          <p:cNvSpPr>
+            <a:spLocks noGrp="1"/>
+          </p:cNvSpPr>
+          <p:nvPr>
+            <p:ph idx="1"/>
+          </p:nvPr>
+        </p:nvSpPr>
+        <p:spPr/>
+        <p:txBody>
+          <a:bodyPr/>
+          <a:lstStyle/>
+          <a:p>
+            <a:r>
+              <a:rPr lang="en-US" dirty="0"/>
+              <a:t>The recent growth rate of Charlotte has increased the standard of living despite the concerns for affordable housing. </a:t>
+            </a:r>
+          </a:p>
+          <a:p>
+            <a:r>
+              <a:rPr lang="en-US" dirty="0"/>
+              <a:t>Data mining for this was impeded by 2 things. </a:t>
+            </a:r>
+          </a:p>
+          <a:p>
+            <a:pPr lvl="1"/>
+            <a:r>
+              <a:rPr lang="en-US" dirty="0"/>
+              <a:t>Data is not free on housing and salary information</a:t>
+            </a:r>
+          </a:p>
+          <a:p>
+            <a:pPr lvl="1"/>
+            <a:r>
+              <a:rPr lang="en-US" dirty="0"/>
+              <a:t>Government data sources were shutdown. </a:t>
+            </a:r>
+          </a:p>
+          <a:p>
+            <a:endParaRPr lang="en-US" dirty="0"/>
+          </a:p>
+          <a:p>
+            <a:r>
+              <a:rPr lang="en-US" dirty="0"/>
+              <a:t>2010 the homeless population of Mecklenburg began deceasing. </a:t>
+            </a:r>
+          </a:p>
+          <a:p>
+            <a:pPr lvl="1"/>
+            <a:r>
+              <a:rPr lang="en-US" dirty="0"/>
+              <a:t>2009 President Obama’s Open Door policy was deployed. </a:t>
+            </a:r>
+          </a:p>
+          <a:p>
+            <a:pPr lvl="1"/>
+            <a:r>
+              <a:rPr lang="en-US" dirty="0"/>
+              <a:t>2015 the policy was amended </a:t>
+            </a:r>
+          </a:p>
+          <a:p>
+            <a:pPr lvl="1"/>
+            <a:endParaRPr lang="en-US" dirty="0"/>
+          </a:p>
+          <a:p>
+            <a:pPr marL="457200" lvl="1" indent="0">
+              <a:buNone/>
+            </a:pPr>
+            <a:endParaRPr lang="en-US" dirty="0"/>
+          </a:p>
+          <a:p>
+            <a:pPr lvl="1"/>
+            <a:endParaRPr lang="en-US" dirty="0"/>
+          </a:p>
+          <a:p>
+            <a:pPr lvl="1"/>
+            <a:endParaRPr lang="en-US" dirty="0"/>
+          </a:p>
+        </p:txBody>
+      </p:sp>
+    </p:spTree>
+    <p:extLst>
+      <p:ext uri="{BB962C8B-B14F-4D97-AF65-F5344CB8AC3E}">
+        <p14:creationId xmlns:p14="http://schemas.microsoft.com/office/powerpoint/2010/main" val="3629546243"/>
+      </p:ext>
+    </p:extLst>
+  </p:cSld>
+  <p:clrMapOvr>
+    <a:masterClrMapping/>
+  </p:clrMapOvr>
+</p:sld>
+</file>
+
+<file path=ppt/slides/slide11.xml><?xml version="1.0" encoding="utf-8"?>
+<p:sld xmlns:a="http://schemas.openxmlformats.org/drawingml/2006/main" xmlns:r="http://schemas.openxmlformats.org/officeDocument/2006/relationships" xmlns:p="http://schemas.openxmlformats.org/presentationml/2006/main">
+  <p:cSld>
+    <p:spTree>
+      <p:nvGrpSpPr>
+        <p:cNvPr id="1" name=""/>
+        <p:cNvGrpSpPr/>
+        <p:nvPr/>
+      </p:nvGrpSpPr>
+      <p:grpSpPr>
+        <a:xfrm>
+          <a:off x="0" y="0"/>
+          <a:ext cx="0" cy="0"/>
+          <a:chOff x="0" y="0"/>
+          <a:chExt cx="0" cy="0"/>
+        </a:xfrm>
+      </p:grpSpPr>
+      <p:sp>
+        <p:nvSpPr>
+          <p:cNvPr id="2" name="Title 1">
+            <a:extLst>
+              <a:ext uri="{FF2B5EF4-FFF2-40B4-BE49-F238E27FC236}">
                 <a16:creationId xmlns:a16="http://schemas.microsoft.com/office/drawing/2014/main" id="{5FC437D0-AD22-324E-96D9-473F706C9036}"/>
               </a:ext>
             </a:extLst>
@@ -5811,8 +5959,143 @@
         </p:nvSpPr>
         <p:spPr/>
         <p:txBody>
-          <a:bodyPr/>
-          <a:lstStyle/>
+          <a:bodyPr>
+            <a:normAutofit fontScale="77500" lnSpcReduction="20000"/>
+          </a:bodyPr>
+          <a:lstStyle/>
+          <a:p>
+            <a:pPr marL="0" indent="0">
+              <a:buNone/>
+            </a:pPr>
+            <a:r>
+              <a:rPr lang="en-US" dirty="0"/>
+              <a:t>Homeless CSV data source : </a:t>
+            </a:r>
+            <a:r>
+              <a:rPr lang="en-US" dirty="0">
+                <a:hlinkClick r:id="rId2"/>
+              </a:rPr>
+              <a:t>https://www.hudexchange.info/resource/3031/pit-and-hic-data-since-2007/</a:t>
+            </a:r>
+            <a:endParaRPr lang="en-US" dirty="0"/>
+          </a:p>
+          <a:p>
+            <a:pPr marL="0" indent="0">
+              <a:buNone/>
+            </a:pPr>
+            <a:r>
+              <a:rPr lang="en-US" dirty="0"/>
+              <a:t>Population Estimates , Change, Poverty, Growth Rate:</a:t>
+            </a:r>
+          </a:p>
+          <a:p>
+            <a:pPr marL="0" indent="0">
+              <a:buNone/>
+            </a:pPr>
+            <a:r>
+              <a:rPr lang="en-US" dirty="0">
+                <a:hlinkClick r:id="rId3"/>
+              </a:rPr>
+              <a:t>https://demography.cpc.unc.edu/resources/data-tables/</a:t>
+            </a:r>
+            <a:endParaRPr lang="en-US" dirty="0"/>
+          </a:p>
+          <a:p>
+            <a:pPr marL="0" indent="0">
+              <a:buNone/>
+            </a:pPr>
+            <a:r>
+              <a:rPr lang="en-US" dirty="0"/>
+              <a:t>Salary Data:</a:t>
+            </a:r>
+          </a:p>
+          <a:p>
+            <a:pPr marL="0" indent="0">
+              <a:buNone/>
+            </a:pPr>
+            <a:r>
+              <a:rPr lang="en-US" dirty="0">
+                <a:hlinkClick r:id="rId4"/>
+              </a:rPr>
+              <a:t>https://www.bls.gov/oes/tables.htm</a:t>
+            </a:r>
+            <a:endParaRPr lang="en-US" dirty="0"/>
+          </a:p>
+          <a:p>
+            <a:pPr marL="0" indent="0">
+              <a:buNone/>
+            </a:pPr>
+            <a:r>
+              <a:rPr lang="en-US" dirty="0"/>
+              <a:t>Housing Prices:</a:t>
+            </a:r>
+          </a:p>
+          <a:p>
+            <a:pPr marL="0" indent="0">
+              <a:buNone/>
+            </a:pPr>
+            <a:r>
+              <a:rPr lang="sv-SE" dirty="0">
+                <a:hlinkClick r:id="rId5"/>
+              </a:rPr>
+              <a:t>https://www.zillow.com/research/data/</a:t>
+            </a:r>
+            <a:endParaRPr lang="sv-SE" dirty="0"/>
+          </a:p>
+          <a:p>
+            <a:pPr marL="0" indent="0">
+              <a:buNone/>
+            </a:pPr>
+            <a:r>
+              <a:rPr lang="sv-SE" dirty="0"/>
+              <a:t>Cost of living:</a:t>
+            </a:r>
+          </a:p>
+          <a:p>
+            <a:pPr marL="0" indent="0">
+              <a:buNone/>
+            </a:pPr>
+            <a:r>
+              <a:rPr lang="sv-SE" dirty="0">
+                <a:hlinkClick r:id="rId6"/>
+              </a:rPr>
+              <a:t>https://www.opendatanetwork.com/entity/0400000US37/North_Carolina/economy.cost_of_living.index?component=all&amp;year=2016</a:t>
+            </a:r>
+            <a:endParaRPr lang="sv-SE" dirty="0"/>
+          </a:p>
+          <a:p>
+            <a:pPr marL="0" indent="0">
+              <a:buNone/>
+            </a:pPr>
+            <a:r>
+              <a:rPr lang="sv-SE" dirty="0"/>
+              <a:t>Homeless programs in Charlotte:</a:t>
+            </a:r>
+          </a:p>
+          <a:p>
+            <a:pPr marL="0" indent="0">
+              <a:buNone/>
+            </a:pPr>
+            <a:r>
+              <a:rPr lang="sv-SE" dirty="0">
+                <a:hlinkClick r:id="rId7"/>
+              </a:rPr>
+              <a:t>https://www.mecknc.gov/CommunitySupportServices/HomelessServices/Housing-Stability-Funding/Pages/February-2015-Supportive-Housing-RFP.aspx</a:t>
+            </a:r>
+            <a:endParaRPr lang="sv-SE" dirty="0"/>
+          </a:p>
+          <a:p>
+            <a:pPr marL="0" indent="0">
+              <a:buNone/>
+            </a:pPr>
+            <a:endParaRPr lang="sv-SE" dirty="0"/>
+          </a:p>
+          <a:p>
+            <a:pPr marL="0" indent="0">
+              <a:buNone/>
+            </a:pPr>
+            <a:endParaRPr lang="en-US" dirty="0"/>
+          </a:p>
           <a:p>
             <a:pPr marL="0" indent="0">
               <a:buNone/>
@@ -5872,7 +6155,10 @@
           <a:bodyPr/>
           <a:lstStyle/>
           <a:p>
-            <a:endParaRPr lang="en-US" dirty="0"/>
+            <a:r>
+              <a:rPr lang="en-US" dirty="0"/>
+              <a:t>TEAM Hypothesis</a:t>
+            </a:r>
           </a:p>
         </p:txBody>
       </p:sp>
@@ -5899,8 +6185,39 @@
           <a:p>
             <a:r>
               <a:rPr lang="en-US" dirty="0"/>
-              <a:t>The recent growth rate of Charlotte has increased the standard of living despite the concerns for affordable housing. </a:t>
-            </a:r>
+              <a:t>We wish to prove that cost of living, population and homelessness have a positive correlation to each other. </a:t>
+            </a:r>
+          </a:p>
+          <a:p>
+            <a:pPr lvl="0"/>
+            <a:r>
+              <a:rPr lang="en-US" dirty="0"/>
+              <a:t>We plan to see an increase in Charlotte’s</a:t>
+            </a:r>
+          </a:p>
+          <a:p>
+            <a:pPr lvl="1"/>
+            <a:r>
+              <a:rPr lang="en-US" dirty="0"/>
+              <a:t>Population</a:t>
+            </a:r>
+          </a:p>
+          <a:p>
+            <a:pPr lvl="1"/>
+            <a:r>
+              <a:rPr lang="en-US" dirty="0"/>
+              <a:t>Cost of living </a:t>
+            </a:r>
+          </a:p>
+          <a:p>
+            <a:pPr lvl="1"/>
+            <a:r>
+              <a:rPr lang="en-US" dirty="0"/>
+              <a:t>Homeless population</a:t>
+            </a:r>
+          </a:p>
+          <a:p>
+            <a:endParaRPr lang="en-US" dirty="0"/>
           </a:p>
         </p:txBody>
       </p:sp>
@@ -5962,28 +6279,106 @@
           </a:p>
         </p:txBody>
       </p:sp>
-      <p:sp>
-        <p:nvSpPr>
-          <p:cNvPr id="3" name="Content Placeholder 2">
+      <p:pic>
+        <p:nvPicPr>
+          <p:cNvPr id="9" name="Content Placeholder 8">
             <a:extLst>
               <a:ext uri="{FF2B5EF4-FFF2-40B4-BE49-F238E27FC236}">
-                <a16:creationId xmlns:a16="http://schemas.microsoft.com/office/drawing/2014/main" id="{51C76D16-A470-2349-BBF4-C5DD34E1B6E3}"/>
+                <a16:creationId xmlns:a16="http://schemas.microsoft.com/office/drawing/2014/main" id="{02CF2E62-54BE-4989-8CE2-93D0F8B794E1}"/>
               </a:ext>
             </a:extLst>
           </p:cNvPr>
-          <p:cNvSpPr>
-            <a:spLocks noGrp="1"/>
-          </p:cNvSpPr>
+          <p:cNvPicPr>
+            <a:picLocks noGrp="1" noChangeAspect="1"/>
+          </p:cNvPicPr>
           <p:nvPr>
             <p:ph idx="1"/>
           </p:nvPr>
-        </p:nvSpPr>
-        <p:spPr/>
-        <p:txBody>
-          <a:bodyPr/>
-          <a:lstStyle/>
-          <a:p>
-            <a:endParaRPr lang="en-US" dirty="0"/>
+        </p:nvPicPr>
+        <p:blipFill>
+          <a:blip r:embed="rId2"/>
+          <a:stretch>
+            <a:fillRect/>
+          </a:stretch>
+        </p:blipFill>
+        <p:spPr>
+          <a:xfrm>
+            <a:off x="103094" y="2057401"/>
+            <a:ext cx="12072474" cy="1810870"/>
+          </a:xfrm>
+        </p:spPr>
+      </p:pic>
+      <p:sp>
+        <p:nvSpPr>
+          <p:cNvPr id="10" name="TextBox 9">
+            <a:extLst>
+              <a:ext uri="{FF2B5EF4-FFF2-40B4-BE49-F238E27FC236}">
+                <a16:creationId xmlns:a16="http://schemas.microsoft.com/office/drawing/2014/main" id="{7584D2A6-3E04-4705-AEE1-F98467F92139}"/>
+              </a:ext>
+            </a:extLst>
+          </p:cNvPr>
+          <p:cNvSpPr txBox="1"/>
+          <p:nvPr/>
+        </p:nvSpPr>
+        <p:spPr>
+          <a:xfrm>
+            <a:off x="1393544" y="4262718"/>
+            <a:ext cx="9631098" cy="1569660"/>
+          </a:xfrm>
+          <a:prstGeom prst="rect">
+            <a:avLst/>
+          </a:prstGeom>
+          <a:solidFill>
+            <a:schemeClr val="bg2">
+              <a:lumMod val="60000"/>
+              <a:lumOff val="40000"/>
+            </a:schemeClr>
+          </a:solidFill>
+        </p:spPr>
+        <p:txBody>
+          <a:bodyPr wrap="square" rtlCol="0">
+            <a:spAutoFit/>
+          </a:bodyPr>
+          <a:lstStyle/>
+          <a:p>
+            <a:pPr marL="342900" indent="-342900">
+              <a:buFont typeface="Arial" panose="020B0604020202020204" pitchFamily="34" charset="0"/>
+              <a:buChar char="•"/>
+            </a:pPr>
+            <a:r>
+              <a:rPr lang="en-US" sz="2400" dirty="0"/>
+              <a:t>Mecklenburg County is number 1 in total population</a:t>
+            </a:r>
+          </a:p>
+          <a:p>
+            <a:pPr marL="342900" indent="-342900">
+              <a:buFont typeface="Arial" panose="020B0604020202020204" pitchFamily="34" charset="0"/>
+              <a:buChar char="•"/>
+            </a:pPr>
+            <a:r>
+              <a:rPr lang="en-US" sz="2400" dirty="0"/>
+              <a:t>Mecklenburg County is number 2 in Numeric Change</a:t>
+            </a:r>
+          </a:p>
+          <a:p>
+            <a:pPr marL="342900" indent="-342900">
+              <a:buFont typeface="Arial" panose="020B0604020202020204" pitchFamily="34" charset="0"/>
+              <a:buChar char="•"/>
+            </a:pPr>
+            <a:r>
+              <a:rPr lang="en-US" sz="2400" dirty="0"/>
+              <a:t>Mecklenburg County is number 3 in Growth Rate</a:t>
+            </a:r>
+          </a:p>
+          <a:p>
+            <a:pPr marL="342900" indent="-342900">
+              <a:buFont typeface="Arial" panose="020B0604020202020204" pitchFamily="34" charset="0"/>
+              <a:buChar char="•"/>
+            </a:pPr>
+            <a:r>
+              <a:rPr lang="en-US" sz="2400" dirty="0"/>
+              <a:t>Mecklenburg Counties Growth Rate is 17%</a:t>
+            </a:r>
           </a:p>
         </p:txBody>
       </p:sp>
@@ -6307,31 +6702,35 @@
           </a:p>
         </p:txBody>
       </p:sp>
-      <p:sp>
-        <p:nvSpPr>
-          <p:cNvPr id="3" name="Content Placeholder 2">
+      <p:pic>
+        <p:nvPicPr>
+          <p:cNvPr id="5" name="Content Placeholder 4">
             <a:extLst>
               <a:ext uri="{FF2B5EF4-FFF2-40B4-BE49-F238E27FC236}">
-                <a16:creationId xmlns:a16="http://schemas.microsoft.com/office/drawing/2014/main" id="{8916D005-577F-044E-A977-A450D63337E8}"/>
+                <a16:creationId xmlns:a16="http://schemas.microsoft.com/office/drawing/2014/main" id="{FE70BF56-62E4-4E5C-B0FE-4A779D7DC483}"/>
               </a:ext>
             </a:extLst>
           </p:cNvPr>
-          <p:cNvSpPr>
-            <a:spLocks noGrp="1"/>
-          </p:cNvSpPr>
+          <p:cNvPicPr>
+            <a:picLocks noGrp="1" noChangeAspect="1"/>
+          </p:cNvPicPr>
           <p:nvPr>
             <p:ph idx="1"/>
           </p:nvPr>
-        </p:nvSpPr>
-        <p:spPr/>
-        <p:txBody>
-          <a:bodyPr/>
-          <a:lstStyle/>
-          <a:p>
-            <a:endParaRPr lang="en-US"/>
-          </a:p>
-        </p:txBody>
-      </p:sp>
+        </p:nvPicPr>
+        <p:blipFill>
+          <a:blip r:embed="rId2"/>
+          <a:stretch>
+            <a:fillRect/>
+          </a:stretch>
+        </p:blipFill>
+        <p:spPr>
+          <a:xfrm>
+            <a:off x="3728301" y="1681269"/>
+            <a:ext cx="4892511" cy="4892511"/>
+          </a:xfrm>
+        </p:spPr>
+      </p:pic>
     </p:spTree>
     <p:extLst>
       <p:ext uri="{BB962C8B-B14F-4D97-AF65-F5344CB8AC3E}">
@@ -6414,8 +6813,8 @@
         </p:blipFill>
         <p:spPr>
           <a:xfrm>
-            <a:off x="3413125" y="2193925"/>
-            <a:ext cx="5365750" cy="4024313"/>
+            <a:off x="2795047" y="1729819"/>
+            <a:ext cx="6602636" cy="4951978"/>
           </a:xfrm>
         </p:spPr>
       </p:pic>

--- a/Group Project one .pptx
+++ b/Group Project one .pptx
@@ -8,9 +8,9 @@
     <p:sldId id="256" r:id="rId2"/>
     <p:sldId id="257" r:id="rId3"/>
     <p:sldId id="260" r:id="rId4"/>
-    <p:sldId id="258" r:id="rId5"/>
-    <p:sldId id="259" r:id="rId6"/>
-    <p:sldId id="264" r:id="rId7"/>
+    <p:sldId id="264" r:id="rId5"/>
+    <p:sldId id="258" r:id="rId6"/>
+    <p:sldId id="259" r:id="rId7"/>
     <p:sldId id="261" r:id="rId8"/>
     <p:sldId id="262" r:id="rId9"/>
     <p:sldId id="263" r:id="rId10"/>
@@ -6417,7 +6417,7 @@
           <p:cNvPr id="2" name="Title 1">
             <a:extLst>
               <a:ext uri="{FF2B5EF4-FFF2-40B4-BE49-F238E27FC236}">
-                <a16:creationId xmlns:a16="http://schemas.microsoft.com/office/drawing/2014/main" id="{936526B7-4EA1-2147-B7B5-ABD2B8AFAE7D}"/>
+                <a16:creationId xmlns:a16="http://schemas.microsoft.com/office/drawing/2014/main" id="{CE411B2D-13B0-8E4F-9D7E-495B3AC1A064}"/>
               </a:ext>
             </a:extLst>
           </p:cNvPr>
@@ -6435,17 +6435,22 @@
           <a:p>
             <a:r>
               <a:rPr lang="en-US" dirty="0"/>
-              <a:t>Livelihood : Housing prices </a:t>
-            </a:r>
+              <a:t>Population </a:t>
+            </a:r>
+            <a:r>
+              <a:rPr lang="en-US" dirty="0" err="1"/>
+              <a:t>CHange</a:t>
+            </a:r>
+            <a:endParaRPr lang="en-US" dirty="0"/>
           </a:p>
         </p:txBody>
       </p:sp>
       <p:pic>
         <p:nvPicPr>
-          <p:cNvPr id="17" name="Content Placeholder 16">
+          <p:cNvPr id="5" name="Content Placeholder 4">
             <a:extLst>
               <a:ext uri="{FF2B5EF4-FFF2-40B4-BE49-F238E27FC236}">
-                <a16:creationId xmlns:a16="http://schemas.microsoft.com/office/drawing/2014/main" id="{70F59381-5A80-4767-8FE0-C7F559193CC6}"/>
+                <a16:creationId xmlns:a16="http://schemas.microsoft.com/office/drawing/2014/main" id="{B6590EF7-454C-496C-A488-E495A97E9A0F}"/>
               </a:ext>
             </a:extLst>
           </p:cNvPr>
@@ -6464,15 +6469,15 @@
         </p:blipFill>
         <p:spPr>
           <a:xfrm>
-            <a:off x="2993925" y="1921542"/>
-            <a:ext cx="6204149" cy="4024313"/>
+            <a:off x="2286001" y="2057401"/>
+            <a:ext cx="7247888" cy="4529930"/>
           </a:xfrm>
         </p:spPr>
       </p:pic>
     </p:spTree>
     <p:extLst>
       <p:ext uri="{BB962C8B-B14F-4D97-AF65-F5344CB8AC3E}">
-        <p14:creationId xmlns:p14="http://schemas.microsoft.com/office/powerpoint/2010/main" val="3713838827"/>
+        <p14:creationId xmlns:p14="http://schemas.microsoft.com/office/powerpoint/2010/main" val="3678414954"/>
       </p:ext>
     </p:extLst>
   </p:cSld>
@@ -6504,7 +6509,7 @@
           <p:cNvPr id="2" name="Title 1">
             <a:extLst>
               <a:ext uri="{FF2B5EF4-FFF2-40B4-BE49-F238E27FC236}">
-                <a16:creationId xmlns:a16="http://schemas.microsoft.com/office/drawing/2014/main" id="{EBE37CE4-5F06-6C45-8CD6-444084176D69}"/>
+                <a16:creationId xmlns:a16="http://schemas.microsoft.com/office/drawing/2014/main" id="{936526B7-4EA1-2147-B7B5-ABD2B8AFAE7D}"/>
               </a:ext>
             </a:extLst>
           </p:cNvPr>
@@ -6515,29 +6520,24 @@
             <p:ph type="title"/>
           </p:nvPr>
         </p:nvSpPr>
-        <p:spPr>
-          <a:xfrm>
-            <a:off x="2895600" y="764373"/>
-            <a:ext cx="8610600" cy="976878"/>
-          </a:xfrm>
-        </p:spPr>
+        <p:spPr/>
         <p:txBody>
           <a:bodyPr/>
           <a:lstStyle/>
           <a:p>
             <a:r>
               <a:rPr lang="en-US" dirty="0"/>
-              <a:t>Economy : salary</a:t>
+              <a:t>Livelihood : Housing prices </a:t>
             </a:r>
           </a:p>
         </p:txBody>
       </p:sp>
       <p:pic>
         <p:nvPicPr>
-          <p:cNvPr id="5" name="Content Placeholder 4">
+          <p:cNvPr id="17" name="Content Placeholder 16">
             <a:extLst>
               <a:ext uri="{FF2B5EF4-FFF2-40B4-BE49-F238E27FC236}">
-                <a16:creationId xmlns:a16="http://schemas.microsoft.com/office/drawing/2014/main" id="{A3A5A1CF-DEC6-403A-9015-B6E9C976B5BB}"/>
+                <a16:creationId xmlns:a16="http://schemas.microsoft.com/office/drawing/2014/main" id="{70F59381-5A80-4767-8FE0-C7F559193CC6}"/>
               </a:ext>
             </a:extLst>
           </p:cNvPr>
@@ -6556,15 +6556,15 @@
         </p:blipFill>
         <p:spPr>
           <a:xfrm>
-            <a:off x="2990088" y="1920240"/>
-            <a:ext cx="6208776" cy="4051287"/>
+            <a:off x="2993925" y="1921542"/>
+            <a:ext cx="6204149" cy="4024313"/>
           </a:xfrm>
         </p:spPr>
       </p:pic>
     </p:spTree>
     <p:extLst>
       <p:ext uri="{BB962C8B-B14F-4D97-AF65-F5344CB8AC3E}">
-        <p14:creationId xmlns:p14="http://schemas.microsoft.com/office/powerpoint/2010/main" val="2707272370"/>
+        <p14:creationId xmlns:p14="http://schemas.microsoft.com/office/powerpoint/2010/main" val="3713838827"/>
       </p:ext>
     </p:extLst>
   </p:cSld>
@@ -6596,7 +6596,7 @@
           <p:cNvPr id="2" name="Title 1">
             <a:extLst>
               <a:ext uri="{FF2B5EF4-FFF2-40B4-BE49-F238E27FC236}">
-                <a16:creationId xmlns:a16="http://schemas.microsoft.com/office/drawing/2014/main" id="{CE411B2D-13B0-8E4F-9D7E-495B3AC1A064}"/>
+                <a16:creationId xmlns:a16="http://schemas.microsoft.com/office/drawing/2014/main" id="{EBE37CE4-5F06-6C45-8CD6-444084176D69}"/>
               </a:ext>
             </a:extLst>
           </p:cNvPr>
@@ -6607,47 +6607,56 @@
             <p:ph type="title"/>
           </p:nvPr>
         </p:nvSpPr>
-        <p:spPr/>
+        <p:spPr>
+          <a:xfrm>
+            <a:off x="2895600" y="764373"/>
+            <a:ext cx="8610600" cy="976878"/>
+          </a:xfrm>
+        </p:spPr>
         <p:txBody>
           <a:bodyPr/>
           <a:lstStyle/>
           <a:p>
             <a:r>
               <a:rPr lang="en-US" dirty="0"/>
-              <a:t>Economy : unemployment rate</a:t>
-            </a:r>
-          </a:p>
-        </p:txBody>
-      </p:sp>
-      <p:sp>
-        <p:nvSpPr>
-          <p:cNvPr id="3" name="Content Placeholder 2">
+              <a:t>Economy : salary</a:t>
+            </a:r>
+          </a:p>
+        </p:txBody>
+      </p:sp>
+      <p:pic>
+        <p:nvPicPr>
+          <p:cNvPr id="5" name="Content Placeholder 4">
             <a:extLst>
               <a:ext uri="{FF2B5EF4-FFF2-40B4-BE49-F238E27FC236}">
-                <a16:creationId xmlns:a16="http://schemas.microsoft.com/office/drawing/2014/main" id="{30BC62F0-5D42-DA4A-A105-7EB1AD9CEDAC}"/>
+                <a16:creationId xmlns:a16="http://schemas.microsoft.com/office/drawing/2014/main" id="{A3A5A1CF-DEC6-403A-9015-B6E9C976B5BB}"/>
               </a:ext>
             </a:extLst>
           </p:cNvPr>
-          <p:cNvSpPr>
-            <a:spLocks noGrp="1"/>
-          </p:cNvSpPr>
+          <p:cNvPicPr>
+            <a:picLocks noGrp="1" noChangeAspect="1"/>
+          </p:cNvPicPr>
           <p:nvPr>
             <p:ph idx="1"/>
           </p:nvPr>
-        </p:nvSpPr>
-        <p:spPr/>
-        <p:txBody>
-          <a:bodyPr/>
-          <a:lstStyle/>
-          <a:p>
-            <a:endParaRPr lang="en-US"/>
-          </a:p>
-        </p:txBody>
-      </p:sp>
+        </p:nvPicPr>
+        <p:blipFill>
+          <a:blip r:embed="rId2"/>
+          <a:stretch>
+            <a:fillRect/>
+          </a:stretch>
+        </p:blipFill>
+        <p:spPr>
+          <a:xfrm>
+            <a:off x="2990088" y="1920240"/>
+            <a:ext cx="6208776" cy="4051287"/>
+          </a:xfrm>
+        </p:spPr>
+      </p:pic>
     </p:spTree>
     <p:extLst>
       <p:ext uri="{BB962C8B-B14F-4D97-AF65-F5344CB8AC3E}">
-        <p14:creationId xmlns:p14="http://schemas.microsoft.com/office/powerpoint/2010/main" val="3678414954"/>
+        <p14:creationId xmlns:p14="http://schemas.microsoft.com/office/powerpoint/2010/main" val="2707272370"/>
       </p:ext>
     </p:extLst>
   </p:cSld>

--- a/Group Project one .pptx
+++ b/Group Project one .pptx
@@ -4,6 +4,9 @@
   <p:sldMasterIdLst>
     <p:sldMasterId id="2147483648" r:id="rId1"/>
   </p:sldMasterIdLst>
+  <p:notesMasterIdLst>
+    <p:notesMasterId r:id="rId13"/>
+  </p:notesMasterIdLst>
   <p:sldIdLst>
     <p:sldId id="256" r:id="rId2"/>
     <p:sldId id="257" r:id="rId3"/>
@@ -122,6 +125,439 @@
 </p:presentation>
 </file>
 
+<file path=ppt/notesMasters/notesMaster1.xml><?xml version="1.0" encoding="utf-8"?>
+<p:notesMaster xmlns:a="http://schemas.openxmlformats.org/drawingml/2006/main" xmlns:r="http://schemas.openxmlformats.org/officeDocument/2006/relationships" xmlns:p="http://schemas.openxmlformats.org/presentationml/2006/main">
+  <p:cSld>
+    <p:bg>
+      <p:bgRef idx="1001">
+        <a:schemeClr val="bg1"/>
+      </p:bgRef>
+    </p:bg>
+    <p:spTree>
+      <p:nvGrpSpPr>
+        <p:cNvPr id="1" name=""/>
+        <p:cNvGrpSpPr/>
+        <p:nvPr/>
+      </p:nvGrpSpPr>
+      <p:grpSpPr>
+        <a:xfrm>
+          <a:off x="0" y="0"/>
+          <a:ext cx="0" cy="0"/>
+          <a:chOff x="0" y="0"/>
+          <a:chExt cx="0" cy="0"/>
+        </a:xfrm>
+      </p:grpSpPr>
+      <p:sp>
+        <p:nvSpPr>
+          <p:cNvPr id="2" name="Header Placeholder 1"/>
+          <p:cNvSpPr>
+            <a:spLocks noGrp="1"/>
+          </p:cNvSpPr>
+          <p:nvPr>
+            <p:ph type="hdr" sz="quarter"/>
+          </p:nvPr>
+        </p:nvSpPr>
+        <p:spPr>
+          <a:xfrm>
+            <a:off x="0" y="0"/>
+            <a:ext cx="2971800" cy="458788"/>
+          </a:xfrm>
+          <a:prstGeom prst="rect">
+            <a:avLst/>
+          </a:prstGeom>
+        </p:spPr>
+        <p:txBody>
+          <a:bodyPr vert="horz" lIns="91440" tIns="45720" rIns="91440" bIns="45720" rtlCol="0"/>
+          <a:lstStyle>
+            <a:lvl1pPr algn="l">
+              <a:defRPr sz="1200"/>
+            </a:lvl1pPr>
+          </a:lstStyle>
+          <a:p>
+            <a:endParaRPr lang="en-US"/>
+          </a:p>
+        </p:txBody>
+      </p:sp>
+      <p:sp>
+        <p:nvSpPr>
+          <p:cNvPr id="3" name="Date Placeholder 2"/>
+          <p:cNvSpPr>
+            <a:spLocks noGrp="1"/>
+          </p:cNvSpPr>
+          <p:nvPr>
+            <p:ph type="dt" idx="1"/>
+          </p:nvPr>
+        </p:nvSpPr>
+        <p:spPr>
+          <a:xfrm>
+            <a:off x="3884613" y="0"/>
+            <a:ext cx="2971800" cy="458788"/>
+          </a:xfrm>
+          <a:prstGeom prst="rect">
+            <a:avLst/>
+          </a:prstGeom>
+        </p:spPr>
+        <p:txBody>
+          <a:bodyPr vert="horz" lIns="91440" tIns="45720" rIns="91440" bIns="45720" rtlCol="0"/>
+          <a:lstStyle>
+            <a:lvl1pPr algn="r">
+              <a:defRPr sz="1200"/>
+            </a:lvl1pPr>
+          </a:lstStyle>
+          <a:p>
+            <a:fld id="{EBEEC463-6649-4CA6-B1FF-E62EB0549193}" type="datetimeFigureOut">
+              <a:rPr lang="en-US" smtClean="0"/>
+              <a:t>1/20/2019</a:t>
+            </a:fld>
+            <a:endParaRPr lang="en-US"/>
+          </a:p>
+        </p:txBody>
+      </p:sp>
+      <p:sp>
+        <p:nvSpPr>
+          <p:cNvPr id="4" name="Slide Image Placeholder 3"/>
+          <p:cNvSpPr>
+            <a:spLocks noGrp="1" noRot="1" noChangeAspect="1"/>
+          </p:cNvSpPr>
+          <p:nvPr>
+            <p:ph type="sldImg" idx="2"/>
+          </p:nvPr>
+        </p:nvSpPr>
+        <p:spPr>
+          <a:xfrm>
+            <a:off x="685800" y="1143000"/>
+            <a:ext cx="5486400" cy="3086100"/>
+          </a:xfrm>
+          <a:prstGeom prst="rect">
+            <a:avLst/>
+          </a:prstGeom>
+          <a:noFill/>
+          <a:ln w="12700">
+            <a:solidFill>
+              <a:prstClr val="black"/>
+            </a:solidFill>
+          </a:ln>
+        </p:spPr>
+        <p:txBody>
+          <a:bodyPr vert="horz" lIns="91440" tIns="45720" rIns="91440" bIns="45720" rtlCol="0" anchor="ctr"/>
+          <a:lstStyle/>
+          <a:p>
+            <a:endParaRPr lang="en-US"/>
+          </a:p>
+        </p:txBody>
+      </p:sp>
+      <p:sp>
+        <p:nvSpPr>
+          <p:cNvPr id="5" name="Notes Placeholder 4"/>
+          <p:cNvSpPr>
+            <a:spLocks noGrp="1"/>
+          </p:cNvSpPr>
+          <p:nvPr>
+            <p:ph type="body" sz="quarter" idx="3"/>
+          </p:nvPr>
+        </p:nvSpPr>
+        <p:spPr>
+          <a:xfrm>
+            <a:off x="685800" y="4400550"/>
+            <a:ext cx="5486400" cy="3600450"/>
+          </a:xfrm>
+          <a:prstGeom prst="rect">
+            <a:avLst/>
+          </a:prstGeom>
+        </p:spPr>
+        <p:txBody>
+          <a:bodyPr vert="horz" lIns="91440" tIns="45720" rIns="91440" bIns="45720" rtlCol="0"/>
+          <a:lstStyle/>
+          <a:p>
+            <a:pPr lvl="0"/>
+            <a:r>
+              <a:rPr lang="en-US"/>
+              <a:t>Edit Master text styles</a:t>
+            </a:r>
+          </a:p>
+          <a:p>
+            <a:pPr lvl="1"/>
+            <a:r>
+              <a:rPr lang="en-US"/>
+              <a:t>Second level</a:t>
+            </a:r>
+          </a:p>
+          <a:p>
+            <a:pPr lvl="2"/>
+            <a:r>
+              <a:rPr lang="en-US"/>
+              <a:t>Third level</a:t>
+            </a:r>
+          </a:p>
+          <a:p>
+            <a:pPr lvl="3"/>
+            <a:r>
+              <a:rPr lang="en-US"/>
+              <a:t>Fourth level</a:t>
+            </a:r>
+          </a:p>
+          <a:p>
+            <a:pPr lvl="4"/>
+            <a:r>
+              <a:rPr lang="en-US"/>
+              <a:t>Fifth level</a:t>
+            </a:r>
+          </a:p>
+        </p:txBody>
+      </p:sp>
+      <p:sp>
+        <p:nvSpPr>
+          <p:cNvPr id="6" name="Footer Placeholder 5"/>
+          <p:cNvSpPr>
+            <a:spLocks noGrp="1"/>
+          </p:cNvSpPr>
+          <p:nvPr>
+            <p:ph type="ftr" sz="quarter" idx="4"/>
+          </p:nvPr>
+        </p:nvSpPr>
+        <p:spPr>
+          <a:xfrm>
+            <a:off x="0" y="8685213"/>
+            <a:ext cx="2971800" cy="458787"/>
+          </a:xfrm>
+          <a:prstGeom prst="rect">
+            <a:avLst/>
+          </a:prstGeom>
+        </p:spPr>
+        <p:txBody>
+          <a:bodyPr vert="horz" lIns="91440" tIns="45720" rIns="91440" bIns="45720" rtlCol="0" anchor="b"/>
+          <a:lstStyle>
+            <a:lvl1pPr algn="l">
+              <a:defRPr sz="1200"/>
+            </a:lvl1pPr>
+          </a:lstStyle>
+          <a:p>
+            <a:endParaRPr lang="en-US"/>
+          </a:p>
+        </p:txBody>
+      </p:sp>
+      <p:sp>
+        <p:nvSpPr>
+          <p:cNvPr id="7" name="Slide Number Placeholder 6"/>
+          <p:cNvSpPr>
+            <a:spLocks noGrp="1"/>
+          </p:cNvSpPr>
+          <p:nvPr>
+            <p:ph type="sldNum" sz="quarter" idx="5"/>
+          </p:nvPr>
+        </p:nvSpPr>
+        <p:spPr>
+          <a:xfrm>
+            <a:off x="3884613" y="8685213"/>
+            <a:ext cx="2971800" cy="458787"/>
+          </a:xfrm>
+          <a:prstGeom prst="rect">
+            <a:avLst/>
+          </a:prstGeom>
+        </p:spPr>
+        <p:txBody>
+          <a:bodyPr vert="horz" lIns="91440" tIns="45720" rIns="91440" bIns="45720" rtlCol="0" anchor="b"/>
+          <a:lstStyle>
+            <a:lvl1pPr algn="r">
+              <a:defRPr sz="1200"/>
+            </a:lvl1pPr>
+          </a:lstStyle>
+          <a:p>
+            <a:fld id="{0D2EB464-7853-4793-A8FA-C6B1E498B353}" type="slidenum">
+              <a:rPr lang="en-US" smtClean="0"/>
+              <a:t>‹#›</a:t>
+            </a:fld>
+            <a:endParaRPr lang="en-US"/>
+          </a:p>
+        </p:txBody>
+      </p:sp>
+    </p:spTree>
+    <p:extLst>
+      <p:ext uri="{BB962C8B-B14F-4D97-AF65-F5344CB8AC3E}">
+        <p14:creationId xmlns:p14="http://schemas.microsoft.com/office/powerpoint/2010/main" val="1166702574"/>
+      </p:ext>
+    </p:extLst>
+  </p:cSld>
+  <p:clrMap bg1="lt1" tx1="dk1" bg2="lt2" tx2="dk2" accent1="accent1" accent2="accent2" accent3="accent3" accent4="accent4" accent5="accent5" accent6="accent6" hlink="hlink" folHlink="folHlink"/>
+  <p:notesStyle>
+    <a:lvl1pPr marL="0" algn="l" defTabSz="914400" rtl="0" eaLnBrk="1" latinLnBrk="0" hangingPunct="1">
+      <a:defRPr sz="1200" kern="1200">
+        <a:solidFill>
+          <a:schemeClr val="tx1"/>
+        </a:solidFill>
+        <a:latin typeface="+mn-lt"/>
+        <a:ea typeface="+mn-ea"/>
+        <a:cs typeface="+mn-cs"/>
+      </a:defRPr>
+    </a:lvl1pPr>
+    <a:lvl2pPr marL="457200" algn="l" defTabSz="914400" rtl="0" eaLnBrk="1" latinLnBrk="0" hangingPunct="1">
+      <a:defRPr sz="1200" kern="1200">
+        <a:solidFill>
+          <a:schemeClr val="tx1"/>
+        </a:solidFill>
+        <a:latin typeface="+mn-lt"/>
+        <a:ea typeface="+mn-ea"/>
+        <a:cs typeface="+mn-cs"/>
+      </a:defRPr>
+    </a:lvl2pPr>
+    <a:lvl3pPr marL="914400" algn="l" defTabSz="914400" rtl="0" eaLnBrk="1" latinLnBrk="0" hangingPunct="1">
+      <a:defRPr sz="1200" kern="1200">
+        <a:solidFill>
+          <a:schemeClr val="tx1"/>
+        </a:solidFill>
+        <a:latin typeface="+mn-lt"/>
+        <a:ea typeface="+mn-ea"/>
+        <a:cs typeface="+mn-cs"/>
+      </a:defRPr>
+    </a:lvl3pPr>
+    <a:lvl4pPr marL="1371600" algn="l" defTabSz="914400" rtl="0" eaLnBrk="1" latinLnBrk="0" hangingPunct="1">
+      <a:defRPr sz="1200" kern="1200">
+        <a:solidFill>
+          <a:schemeClr val="tx1"/>
+        </a:solidFill>
+        <a:latin typeface="+mn-lt"/>
+        <a:ea typeface="+mn-ea"/>
+        <a:cs typeface="+mn-cs"/>
+      </a:defRPr>
+    </a:lvl4pPr>
+    <a:lvl5pPr marL="1828800" algn="l" defTabSz="914400" rtl="0" eaLnBrk="1" latinLnBrk="0" hangingPunct="1">
+      <a:defRPr sz="1200" kern="1200">
+        <a:solidFill>
+          <a:schemeClr val="tx1"/>
+        </a:solidFill>
+        <a:latin typeface="+mn-lt"/>
+        <a:ea typeface="+mn-ea"/>
+        <a:cs typeface="+mn-cs"/>
+      </a:defRPr>
+    </a:lvl5pPr>
+    <a:lvl6pPr marL="2286000" algn="l" defTabSz="914400" rtl="0" eaLnBrk="1" latinLnBrk="0" hangingPunct="1">
+      <a:defRPr sz="1200" kern="1200">
+        <a:solidFill>
+          <a:schemeClr val="tx1"/>
+        </a:solidFill>
+        <a:latin typeface="+mn-lt"/>
+        <a:ea typeface="+mn-ea"/>
+        <a:cs typeface="+mn-cs"/>
+      </a:defRPr>
+    </a:lvl6pPr>
+    <a:lvl7pPr marL="2743200" algn="l" defTabSz="914400" rtl="0" eaLnBrk="1" latinLnBrk="0" hangingPunct="1">
+      <a:defRPr sz="1200" kern="1200">
+        <a:solidFill>
+          <a:schemeClr val="tx1"/>
+        </a:solidFill>
+        <a:latin typeface="+mn-lt"/>
+        <a:ea typeface="+mn-ea"/>
+        <a:cs typeface="+mn-cs"/>
+      </a:defRPr>
+    </a:lvl7pPr>
+    <a:lvl8pPr marL="3200400" algn="l" defTabSz="914400" rtl="0" eaLnBrk="1" latinLnBrk="0" hangingPunct="1">
+      <a:defRPr sz="1200" kern="1200">
+        <a:solidFill>
+          <a:schemeClr val="tx1"/>
+        </a:solidFill>
+        <a:latin typeface="+mn-lt"/>
+        <a:ea typeface="+mn-ea"/>
+        <a:cs typeface="+mn-cs"/>
+      </a:defRPr>
+    </a:lvl8pPr>
+    <a:lvl9pPr marL="3657600" algn="l" defTabSz="914400" rtl="0" eaLnBrk="1" latinLnBrk="0" hangingPunct="1">
+      <a:defRPr sz="1200" kern="1200">
+        <a:solidFill>
+          <a:schemeClr val="tx1"/>
+        </a:solidFill>
+        <a:latin typeface="+mn-lt"/>
+        <a:ea typeface="+mn-ea"/>
+        <a:cs typeface="+mn-cs"/>
+      </a:defRPr>
+    </a:lvl9pPr>
+  </p:notesStyle>
+</p:notesMaster>
+</file>
+
+<file path=ppt/notesSlides/notesSlide1.xml><?xml version="1.0" encoding="utf-8"?>
+<p:notes xmlns:a="http://schemas.openxmlformats.org/drawingml/2006/main" xmlns:r="http://schemas.openxmlformats.org/officeDocument/2006/relationships" xmlns:p="http://schemas.openxmlformats.org/presentationml/2006/main">
+  <p:cSld>
+    <p:spTree>
+      <p:nvGrpSpPr>
+        <p:cNvPr id="1" name=""/>
+        <p:cNvGrpSpPr/>
+        <p:nvPr/>
+      </p:nvGrpSpPr>
+      <p:grpSpPr>
+        <a:xfrm>
+          <a:off x="0" y="0"/>
+          <a:ext cx="0" cy="0"/>
+          <a:chOff x="0" y="0"/>
+          <a:chExt cx="0" cy="0"/>
+        </a:xfrm>
+      </p:grpSpPr>
+      <p:sp>
+        <p:nvSpPr>
+          <p:cNvPr id="2" name="Slide Image Placeholder 1"/>
+          <p:cNvSpPr>
+            <a:spLocks noGrp="1" noRot="1" noChangeAspect="1"/>
+          </p:cNvSpPr>
+          <p:nvPr>
+            <p:ph type="sldImg"/>
+          </p:nvPr>
+        </p:nvSpPr>
+        <p:spPr/>
+      </p:sp>
+      <p:sp>
+        <p:nvSpPr>
+          <p:cNvPr id="3" name="Notes Placeholder 2"/>
+          <p:cNvSpPr>
+            <a:spLocks noGrp="1"/>
+          </p:cNvSpPr>
+          <p:nvPr>
+            <p:ph type="body" idx="1"/>
+          </p:nvPr>
+        </p:nvSpPr>
+        <p:spPr/>
+        <p:txBody>
+          <a:bodyPr/>
+          <a:lstStyle/>
+          <a:p>
+            <a:endParaRPr lang="en-US" dirty="0"/>
+          </a:p>
+        </p:txBody>
+      </p:sp>
+      <p:sp>
+        <p:nvSpPr>
+          <p:cNvPr id="4" name="Slide Number Placeholder 3"/>
+          <p:cNvSpPr>
+            <a:spLocks noGrp="1"/>
+          </p:cNvSpPr>
+          <p:nvPr>
+            <p:ph type="sldNum" sz="quarter" idx="5"/>
+          </p:nvPr>
+        </p:nvSpPr>
+        <p:spPr/>
+        <p:txBody>
+          <a:bodyPr/>
+          <a:lstStyle/>
+          <a:p>
+            <a:fld id="{0D2EB464-7853-4793-A8FA-C6B1E498B353}" type="slidenum">
+              <a:rPr lang="en-US" smtClean="0"/>
+              <a:t>1</a:t>
+            </a:fld>
+            <a:endParaRPr lang="en-US"/>
+          </a:p>
+        </p:txBody>
+      </p:sp>
+    </p:spTree>
+    <p:extLst>
+      <p:ext uri="{BB962C8B-B14F-4D97-AF65-F5344CB8AC3E}">
+        <p14:creationId xmlns:p14="http://schemas.microsoft.com/office/powerpoint/2010/main" val="209927078"/>
+      </p:ext>
+    </p:extLst>
+  </p:cSld>
+  <p:clrMapOvr>
+    <a:masterClrMapping/>
+  </p:clrMapOvr>
+</p:notes>
+</file>
+
 <file path=ppt/slideLayouts/slideLayout1.xml><?xml version="1.0" encoding="utf-8"?>
 <p:sldLayout xmlns:a="http://schemas.openxmlformats.org/drawingml/2006/main" xmlns:r="http://schemas.openxmlformats.org/officeDocument/2006/relationships" xmlns:p="http://schemas.openxmlformats.org/presentationml/2006/main" type="title" preserve="1">
   <p:cSld name="Title Slide">
@@ -292,7 +728,7 @@
           <a:p>
             <a:fld id="{48A87A34-81AB-432B-8DAE-1953F412C126}" type="datetimeFigureOut">
               <a:rPr lang="en-US" dirty="0"/>
-              <a:t>1/19/2019</a:t>
+              <a:t>1/20/2019</a:t>
             </a:fld>
             <a:endParaRPr lang="en-US" dirty="0"/>
           </a:p>
@@ -554,7 +990,7 @@
           <a:p>
             <a:fld id="{48A87A34-81AB-432B-8DAE-1953F412C126}" type="datetimeFigureOut">
               <a:rPr lang="en-US" dirty="0"/>
-              <a:t>1/19/2019</a:t>
+              <a:t>1/20/2019</a:t>
             </a:fld>
             <a:endParaRPr lang="en-US" dirty="0"/>
           </a:p>
@@ -781,7 +1217,7 @@
             <a:fld id="{48A87A34-81AB-432B-8DAE-1953F412C126}" type="datetimeFigureOut">
               <a:rPr lang="en-US" dirty="0"/>
               <a:pPr/>
-              <a:t>1/19/2019</a:t>
+              <a:t>1/20/2019</a:t>
             </a:fld>
             <a:endParaRPr lang="en-US" dirty="0"/>
           </a:p>
@@ -1087,7 +1523,7 @@
             <a:fld id="{48A87A34-81AB-432B-8DAE-1953F412C126}" type="datetimeFigureOut">
               <a:rPr lang="en-US" dirty="0"/>
               <a:pPr/>
-              <a:t>1/19/2019</a:t>
+              <a:t>1/20/2019</a:t>
             </a:fld>
             <a:endParaRPr lang="en-US" dirty="0"/>
           </a:p>
@@ -1556,7 +1992,7 @@
             <a:fld id="{48A87A34-81AB-432B-8DAE-1953F412C126}" type="datetimeFigureOut">
               <a:rPr lang="en-US" dirty="0"/>
               <a:pPr/>
-              <a:t>1/19/2019</a:t>
+              <a:t>1/20/2019</a:t>
             </a:fld>
             <a:endParaRPr lang="en-US" dirty="0"/>
           </a:p>
@@ -2098,7 +2534,7 @@
           <a:p>
             <a:fld id="{48A87A34-81AB-432B-8DAE-1953F412C126}" type="datetimeFigureOut">
               <a:rPr lang="en-US" dirty="0"/>
-              <a:t>1/19/2019</a:t>
+              <a:t>1/20/2019</a:t>
             </a:fld>
             <a:endParaRPr lang="en-US" dirty="0"/>
           </a:p>
@@ -2867,7 +3303,7 @@
           <a:p>
             <a:fld id="{48A87A34-81AB-432B-8DAE-1953F412C126}" type="datetimeFigureOut">
               <a:rPr lang="en-US" dirty="0"/>
-              <a:t>1/19/2019</a:t>
+              <a:t>1/20/2019</a:t>
             </a:fld>
             <a:endParaRPr lang="en-US" dirty="0"/>
           </a:p>
@@ -3037,7 +3473,7 @@
           <a:p>
             <a:fld id="{48A87A34-81AB-432B-8DAE-1953F412C126}" type="datetimeFigureOut">
               <a:rPr lang="en-US" dirty="0"/>
-              <a:t>1/19/2019</a:t>
+              <a:t>1/20/2019</a:t>
             </a:fld>
             <a:endParaRPr lang="en-US" dirty="0"/>
           </a:p>
@@ -3256,7 +3692,7 @@
             <a:fld id="{48A87A34-81AB-432B-8DAE-1953F412C126}" type="datetimeFigureOut">
               <a:rPr lang="en-US" dirty="0"/>
               <a:pPr/>
-              <a:t>1/19/2019</a:t>
+              <a:t>1/20/2019</a:t>
             </a:fld>
             <a:endParaRPr lang="en-US" dirty="0"/>
           </a:p>
@@ -3431,7 +3867,7 @@
           <a:p>
             <a:fld id="{48A87A34-81AB-432B-8DAE-1953F412C126}" type="datetimeFigureOut">
               <a:rPr lang="en-US" dirty="0"/>
-              <a:t>1/19/2019</a:t>
+              <a:t>1/20/2019</a:t>
             </a:fld>
             <a:endParaRPr lang="en-US" dirty="0"/>
           </a:p>
@@ -3716,7 +4152,7 @@
             <a:fld id="{48A87A34-81AB-432B-8DAE-1953F412C126}" type="datetimeFigureOut">
               <a:rPr lang="en-US" dirty="0"/>
               <a:pPr/>
-              <a:t>1/19/2019</a:t>
+              <a:t>1/20/2019</a:t>
             </a:fld>
             <a:endParaRPr lang="en-US" dirty="0"/>
           </a:p>
@@ -3953,7 +4389,7 @@
           <a:p>
             <a:fld id="{48A87A34-81AB-432B-8DAE-1953F412C126}" type="datetimeFigureOut">
               <a:rPr lang="en-US" dirty="0"/>
-              <a:t>1/19/2019</a:t>
+              <a:t>1/20/2019</a:t>
             </a:fld>
             <a:endParaRPr lang="en-US" dirty="0"/>
           </a:p>
@@ -4327,7 +4763,7 @@
           <a:p>
             <a:fld id="{48A87A34-81AB-432B-8DAE-1953F412C126}" type="datetimeFigureOut">
               <a:rPr lang="en-US" dirty="0"/>
-              <a:t>1/19/2019</a:t>
+              <a:t>1/20/2019</a:t>
             </a:fld>
             <a:endParaRPr lang="en-US" dirty="0"/>
           </a:p>
@@ -4440,7 +4876,7 @@
           <a:p>
             <a:fld id="{48A87A34-81AB-432B-8DAE-1953F412C126}" type="datetimeFigureOut">
               <a:rPr lang="en-US" dirty="0"/>
-              <a:t>1/19/2019</a:t>
+              <a:t>1/20/2019</a:t>
             </a:fld>
             <a:endParaRPr lang="en-US" dirty="0"/>
           </a:p>
@@ -4530,7 +4966,7 @@
           <a:p>
             <a:fld id="{48A87A34-81AB-432B-8DAE-1953F412C126}" type="datetimeFigureOut">
               <a:rPr lang="en-US" dirty="0"/>
-              <a:t>1/19/2019</a:t>
+              <a:t>1/20/2019</a:t>
             </a:fld>
             <a:endParaRPr lang="en-US" dirty="0"/>
           </a:p>
@@ -4774,7 +5210,7 @@
           <a:p>
             <a:fld id="{48A87A34-81AB-432B-8DAE-1953F412C126}" type="datetimeFigureOut">
               <a:rPr lang="en-US" dirty="0"/>
-              <a:t>1/19/2019</a:t>
+              <a:t>1/20/2019</a:t>
             </a:fld>
             <a:endParaRPr lang="en-US" dirty="0"/>
           </a:p>
@@ -5026,7 +5462,7 @@
           <a:p>
             <a:fld id="{48A87A34-81AB-432B-8DAE-1953F412C126}" type="datetimeFigureOut">
               <a:rPr lang="en-US" dirty="0"/>
-              <a:t>1/19/2019</a:t>
+              <a:t>1/20/2019</a:t>
             </a:fld>
             <a:endParaRPr lang="en-US" dirty="0"/>
           </a:p>
@@ -5265,7 +5701,7 @@
             <a:fld id="{48A87A34-81AB-432B-8DAE-1953F412C126}" type="datetimeFigureOut">
               <a:rPr lang="en-US" dirty="0"/>
               <a:pPr/>
-              <a:t>1/19/2019</a:t>
+              <a:t>1/20/2019</a:t>
             </a:fld>
             <a:endParaRPr lang="en-US" dirty="0"/>
           </a:p>
@@ -5716,9 +6152,16 @@
             <p:ph type="subTitle" idx="1"/>
           </p:nvPr>
         </p:nvSpPr>
-        <p:spPr/>
-        <p:txBody>
-          <a:bodyPr/>
+        <p:spPr>
+          <a:xfrm>
+            <a:off x="1371600" y="3632201"/>
+            <a:ext cx="9448800" cy="3037540"/>
+          </a:xfrm>
+        </p:spPr>
+        <p:txBody>
+          <a:bodyPr>
+            <a:normAutofit/>
+          </a:bodyPr>
           <a:lstStyle/>
           <a:p>
             <a:r>
@@ -5731,8 +6174,71 @@
             </a:r>
             <a:r>
               <a:rPr lang="en-US" dirty="0"/>
-              <a:t> </a:t>
-            </a:r>
+              <a:t>                                                                                 1/20/2019</a:t>
+            </a:r>
+          </a:p>
+          <a:p>
+            <a:r>
+              <a:rPr lang="en-US" dirty="0"/>
+              <a:t>Team Members:</a:t>
+            </a:r>
+          </a:p>
+          <a:p>
+            <a:pPr lvl="2" algn="l"/>
+            <a:r>
+              <a:rPr lang="en-US" dirty="0"/>
+              <a:t>Matt </a:t>
+            </a:r>
+            <a:r>
+              <a:rPr lang="en-US" dirty="0" err="1"/>
+              <a:t>Clewis</a:t>
+            </a:r>
+            <a:endParaRPr lang="en-US" dirty="0"/>
+          </a:p>
+          <a:p>
+            <a:pPr lvl="2" algn="l"/>
+            <a:r>
+              <a:rPr lang="en-US" dirty="0" err="1"/>
+              <a:t>Teya</a:t>
+            </a:r>
+            <a:r>
+              <a:rPr lang="en-US" dirty="0"/>
+              <a:t> Robinson</a:t>
+            </a:r>
+          </a:p>
+          <a:p>
+            <a:pPr lvl="2" algn="l"/>
+            <a:r>
+              <a:rPr lang="en-US" dirty="0"/>
+              <a:t>Zacharias </a:t>
+            </a:r>
+            <a:r>
+              <a:rPr lang="en-US" dirty="0" err="1"/>
+              <a:t>Girmay</a:t>
+            </a:r>
+            <a:endParaRPr lang="en-US" dirty="0"/>
+          </a:p>
+          <a:p>
+            <a:pPr lvl="2" algn="l"/>
+            <a:r>
+              <a:rPr lang="en-US" dirty="0"/>
+              <a:t>Christopher </a:t>
+            </a:r>
+            <a:r>
+              <a:rPr lang="en-US" dirty="0" err="1"/>
+              <a:t>Sloat</a:t>
+            </a:r>
+            <a:endParaRPr lang="en-US" dirty="0"/>
+          </a:p>
+          <a:p>
+            <a:pPr lvl="2" algn="l"/>
+            <a:r>
+              <a:rPr lang="en-US" dirty="0"/>
+              <a:t>Clint Jansson</a:t>
+            </a:r>
+          </a:p>
+          <a:p>
+            <a:endParaRPr lang="en-US" dirty="0"/>
           </a:p>
         </p:txBody>
       </p:sp>
@@ -7195,4 +7701,299 @@
     </a:ext>
   </a:extLst>
 </a:theme>
+</file>
+
+<file path=ppt/theme/theme2.xml><?xml version="1.0" encoding="utf-8"?>
+<a:theme xmlns:a="http://schemas.openxmlformats.org/drawingml/2006/main" name="Office Theme">
+  <a:themeElements>
+    <a:clrScheme name="Office">
+      <a:dk1>
+        <a:sysClr val="windowText" lastClr="000000"/>
+      </a:dk1>
+      <a:lt1>
+        <a:sysClr val="window" lastClr="FFFFFF"/>
+      </a:lt1>
+      <a:dk2>
+        <a:srgbClr val="44546A"/>
+      </a:dk2>
+      <a:lt2>
+        <a:srgbClr val="E7E6E6"/>
+      </a:lt2>
+      <a:accent1>
+        <a:srgbClr val="4472C4"/>
+      </a:accent1>
+      <a:accent2>
+        <a:srgbClr val="ED7D31"/>
+      </a:accent2>
+      <a:accent3>
+        <a:srgbClr val="A5A5A5"/>
+      </a:accent3>
+      <a:accent4>
+        <a:srgbClr val="FFC000"/>
+      </a:accent4>
+      <a:accent5>
+        <a:srgbClr val="5B9BD5"/>
+      </a:accent5>
+      <a:accent6>
+        <a:srgbClr val="70AD47"/>
+      </a:accent6>
+      <a:hlink>
+        <a:srgbClr val="0563C1"/>
+      </a:hlink>
+      <a:folHlink>
+        <a:srgbClr val="954F72"/>
+      </a:folHlink>
+    </a:clrScheme>
+    <a:fontScheme name="Office">
+      <a:majorFont>
+        <a:latin typeface="Calibri Light" panose="020F0302020204030204"/>
+        <a:ea typeface=""/>
+        <a:cs typeface=""/>
+        <a:font script="Jpan" typeface="游ゴシック Light"/>
+        <a:font script="Hang" typeface="맑은 고딕"/>
+        <a:font script="Hans" typeface="等线 Light"/>
+        <a:font script="Hant" typeface="新細明體"/>
+        <a:font script="Arab" typeface="Times New Roman"/>
+        <a:font script="Hebr" typeface="Times New Roman"/>
+        <a:font script="Thai" typeface="Angsana New"/>
+        <a:font script="Ethi" typeface="Nyala"/>
+        <a:font script="Beng" typeface="Vrinda"/>
+        <a:font script="Gujr" typeface="Shruti"/>
+        <a:font script="Khmr" typeface="MoolBoran"/>
+        <a:font script="Knda" typeface="Tunga"/>
+        <a:font script="Guru" typeface="Raavi"/>
+        <a:font script="Cans" typeface="Euphemia"/>
+        <a:font script="Cher" typeface="Plantagenet Cherokee"/>
+        <a:font script="Yiii" typeface="Microsoft Yi Baiti"/>
+        <a:font script="Tibt" typeface="Microsoft Himalaya"/>
+        <a:font script="Thaa" typeface="MV Boli"/>
+        <a:font script="Deva" typeface="Mangal"/>
+        <a:font script="Telu" typeface="Gautami"/>
+        <a:font script="Taml" typeface="Latha"/>
+        <a:font script="Syrc" typeface="Estrangelo Edessa"/>
+        <a:font script="Orya" typeface="Kalinga"/>
+        <a:font script="Mlym" typeface="Kartika"/>
+        <a:font script="Laoo" typeface="DokChampa"/>
+        <a:font script="Sinh" typeface="Iskoola Pota"/>
+        <a:font script="Mong" typeface="Mongolian Baiti"/>
+        <a:font script="Viet" typeface="Times New Roman"/>
+        <a:font script="Uigh" typeface="Microsoft Uighur"/>
+        <a:font script="Geor" typeface="Sylfaen"/>
+        <a:font script="Armn" typeface="Arial"/>
+        <a:font script="Bugi" typeface="Leelawadee UI"/>
+        <a:font script="Bopo" typeface="Microsoft JhengHei"/>
+        <a:font script="Java" typeface="Javanese Text"/>
+        <a:font script="Lisu" typeface="Segoe UI"/>
+        <a:font script="Mymr" typeface="Myanmar Text"/>
+        <a:font script="Nkoo" typeface="Ebrima"/>
+        <a:font script="Olck" typeface="Nirmala UI"/>
+        <a:font script="Osma" typeface="Ebrima"/>
+        <a:font script="Phag" typeface="Phagspa"/>
+        <a:font script="Syrn" typeface="Estrangelo Edessa"/>
+        <a:font script="Syrj" typeface="Estrangelo Edessa"/>
+        <a:font script="Syre" typeface="Estrangelo Edessa"/>
+        <a:font script="Sora" typeface="Nirmala UI"/>
+        <a:font script="Tale" typeface="Microsoft Tai Le"/>
+        <a:font script="Talu" typeface="Microsoft New Tai Lue"/>
+        <a:font script="Tfng" typeface="Ebrima"/>
+      </a:majorFont>
+      <a:minorFont>
+        <a:latin typeface="Calibri" panose="020F0502020204030204"/>
+        <a:ea typeface=""/>
+        <a:cs typeface=""/>
+        <a:font script="Jpan" typeface="游ゴシック"/>
+        <a:font script="Hang" typeface="맑은 고딕"/>
+        <a:font script="Hans" typeface="等线"/>
+        <a:font script="Hant" typeface="新細明體"/>
+        <a:font script="Arab" typeface="Arial"/>
+        <a:font script="Hebr" typeface="Arial"/>
+        <a:font script="Thai" typeface="Cordia New"/>
+        <a:font script="Ethi" typeface="Nyala"/>
+        <a:font script="Beng" typeface="Vrinda"/>
+        <a:font script="Gujr" typeface="Shruti"/>
+        <a:font script="Khmr" typeface="DaunPenh"/>
+        <a:font script="Knda" typeface="Tunga"/>
+        <a:font script="Guru" typeface="Raavi"/>
+        <a:font script="Cans" typeface="Euphemia"/>
+        <a:font script="Cher" typeface="Plantagenet Cherokee"/>
+        <a:font script="Yiii" typeface="Microsoft Yi Baiti"/>
+        <a:font script="Tibt" typeface="Microsoft Himalaya"/>
+        <a:font script="Thaa" typeface="MV Boli"/>
+        <a:font script="Deva" typeface="Mangal"/>
+        <a:font script="Telu" typeface="Gautami"/>
+        <a:font script="Taml" typeface="Latha"/>
+        <a:font script="Syrc" typeface="Estrangelo Edessa"/>
+        <a:font script="Orya" typeface="Kalinga"/>
+        <a:font script="Mlym" typeface="Kartika"/>
+        <a:font script="Laoo" typeface="DokChampa"/>
+        <a:font script="Sinh" typeface="Iskoola Pota"/>
+        <a:font script="Mong" typeface="Mongolian Baiti"/>
+        <a:font script="Viet" typeface="Arial"/>
+        <a:font script="Uigh" typeface="Microsoft Uighur"/>
+        <a:font script="Geor" typeface="Sylfaen"/>
+        <a:font script="Armn" typeface="Arial"/>
+        <a:font script="Bugi" typeface="Leelawadee UI"/>
+        <a:font script="Bopo" typeface="Microsoft JhengHei"/>
+        <a:font script="Java" typeface="Javanese Text"/>
+        <a:font script="Lisu" typeface="Segoe UI"/>
+        <a:font script="Mymr" typeface="Myanmar Text"/>
+        <a:font script="Nkoo" typeface="Ebrima"/>
+        <a:font script="Olck" typeface="Nirmala UI"/>
+        <a:font script="Osma" typeface="Ebrima"/>
+        <a:font script="Phag" typeface="Phagspa"/>
+        <a:font script="Syrn" typeface="Estrangelo Edessa"/>
+        <a:font script="Syrj" typeface="Estrangelo Edessa"/>
+        <a:font script="Syre" typeface="Estrangelo Edessa"/>
+        <a:font script="Sora" typeface="Nirmala UI"/>
+        <a:font script="Tale" typeface="Microsoft Tai Le"/>
+        <a:font script="Talu" typeface="Microsoft New Tai Lue"/>
+        <a:font script="Tfng" typeface="Ebrima"/>
+      </a:minorFont>
+    </a:fontScheme>
+    <a:fmtScheme name="Office">
+      <a:fillStyleLst>
+        <a:solidFill>
+          <a:schemeClr val="phClr"/>
+        </a:solidFill>
+        <a:gradFill rotWithShape="1">
+          <a:gsLst>
+            <a:gs pos="0">
+              <a:schemeClr val="phClr">
+                <a:lumMod val="110000"/>
+                <a:satMod val="105000"/>
+                <a:tint val="67000"/>
+              </a:schemeClr>
+            </a:gs>
+            <a:gs pos="50000">
+              <a:schemeClr val="phClr">
+                <a:lumMod val="105000"/>
+                <a:satMod val="103000"/>
+                <a:tint val="73000"/>
+              </a:schemeClr>
+            </a:gs>
+            <a:gs pos="100000">
+              <a:schemeClr val="phClr">
+                <a:lumMod val="105000"/>
+                <a:satMod val="109000"/>
+                <a:tint val="81000"/>
+              </a:schemeClr>
+            </a:gs>
+          </a:gsLst>
+          <a:lin ang="5400000" scaled="0"/>
+        </a:gradFill>
+        <a:gradFill rotWithShape="1">
+          <a:gsLst>
+            <a:gs pos="0">
+              <a:schemeClr val="phClr">
+                <a:satMod val="103000"/>
+                <a:lumMod val="102000"/>
+                <a:tint val="94000"/>
+              </a:schemeClr>
+            </a:gs>
+            <a:gs pos="50000">
+              <a:schemeClr val="phClr">
+                <a:satMod val="110000"/>
+                <a:lumMod val="100000"/>
+                <a:shade val="100000"/>
+              </a:schemeClr>
+            </a:gs>
+            <a:gs pos="100000">
+              <a:schemeClr val="phClr">
+                <a:lumMod val="99000"/>
+                <a:satMod val="120000"/>
+                <a:shade val="78000"/>
+              </a:schemeClr>
+            </a:gs>
+          </a:gsLst>
+          <a:lin ang="5400000" scaled="0"/>
+        </a:gradFill>
+      </a:fillStyleLst>
+      <a:lnStyleLst>
+        <a:ln w="6350" cap="flat" cmpd="sng" algn="ctr">
+          <a:solidFill>
+            <a:schemeClr val="phClr"/>
+          </a:solidFill>
+          <a:prstDash val="solid"/>
+          <a:miter lim="800000"/>
+        </a:ln>
+        <a:ln w="12700" cap="flat" cmpd="sng" algn="ctr">
+          <a:solidFill>
+            <a:schemeClr val="phClr"/>
+          </a:solidFill>
+          <a:prstDash val="solid"/>
+          <a:miter lim="800000"/>
+        </a:ln>
+        <a:ln w="19050" cap="flat" cmpd="sng" algn="ctr">
+          <a:solidFill>
+            <a:schemeClr val="phClr"/>
+          </a:solidFill>
+          <a:prstDash val="solid"/>
+          <a:miter lim="800000"/>
+        </a:ln>
+      </a:lnStyleLst>
+      <a:effectStyleLst>
+        <a:effectStyle>
+          <a:effectLst/>
+        </a:effectStyle>
+        <a:effectStyle>
+          <a:effectLst/>
+        </a:effectStyle>
+        <a:effectStyle>
+          <a:effectLst>
+            <a:outerShdw blurRad="57150" dist="19050" dir="5400000" algn="ctr" rotWithShape="0">
+              <a:srgbClr val="000000">
+                <a:alpha val="63000"/>
+              </a:srgbClr>
+            </a:outerShdw>
+          </a:effectLst>
+        </a:effectStyle>
+      </a:effectStyleLst>
+      <a:bgFillStyleLst>
+        <a:solidFill>
+          <a:schemeClr val="phClr"/>
+        </a:solidFill>
+        <a:solidFill>
+          <a:schemeClr val="phClr">
+            <a:tint val="95000"/>
+            <a:satMod val="170000"/>
+          </a:schemeClr>
+        </a:solidFill>
+        <a:gradFill rotWithShape="1">
+          <a:gsLst>
+            <a:gs pos="0">
+              <a:schemeClr val="phClr">
+                <a:tint val="93000"/>
+                <a:satMod val="150000"/>
+                <a:shade val="98000"/>
+                <a:lumMod val="102000"/>
+              </a:schemeClr>
+            </a:gs>
+            <a:gs pos="50000">
+              <a:schemeClr val="phClr">
+                <a:tint val="98000"/>
+                <a:satMod val="130000"/>
+                <a:shade val="90000"/>
+                <a:lumMod val="103000"/>
+              </a:schemeClr>
+            </a:gs>
+            <a:gs pos="100000">
+              <a:schemeClr val="phClr">
+                <a:shade val="63000"/>
+                <a:satMod val="120000"/>
+              </a:schemeClr>
+            </a:gs>
+          </a:gsLst>
+          <a:lin ang="5400000" scaled="0"/>
+        </a:gradFill>
+      </a:bgFillStyleLst>
+    </a:fmtScheme>
+  </a:themeElements>
+  <a:objectDefaults/>
+  <a:extraClrSchemeLst/>
+  <a:extLst>
+    <a:ext uri="{05A4C25C-085E-4340-85A3-A5531E510DB2}">
+      <thm15:themeFamily xmlns:thm15="http://schemas.microsoft.com/office/thememl/2012/main" name="Office Theme" id="{62F939B6-93AF-4DB8-9C6B-D6C7DFDC589F}" vid="{4A3C46E8-61CC-4603-A589-7422A47A8E4A}"/>
+    </a:ext>
+  </a:extLst>
+</a:theme>
 </file>
--- a/Group Project one .pptx
+++ b/Group Project one .pptx
@@ -5,20 +5,21 @@
     <p:sldMasterId id="2147483648" r:id="rId1"/>
   </p:sldMasterIdLst>
   <p:notesMasterIdLst>
-    <p:notesMasterId r:id="rId13"/>
+    <p:notesMasterId r:id="rId14"/>
   </p:notesMasterIdLst>
   <p:sldIdLst>
     <p:sldId id="256" r:id="rId2"/>
     <p:sldId id="257" r:id="rId3"/>
-    <p:sldId id="260" r:id="rId4"/>
-    <p:sldId id="264" r:id="rId5"/>
-    <p:sldId id="258" r:id="rId6"/>
-    <p:sldId id="259" r:id="rId7"/>
-    <p:sldId id="261" r:id="rId8"/>
-    <p:sldId id="262" r:id="rId9"/>
-    <p:sldId id="263" r:id="rId10"/>
-    <p:sldId id="266" r:id="rId11"/>
-    <p:sldId id="265" r:id="rId12"/>
+    <p:sldId id="267" r:id="rId4"/>
+    <p:sldId id="260" r:id="rId5"/>
+    <p:sldId id="264" r:id="rId6"/>
+    <p:sldId id="258" r:id="rId7"/>
+    <p:sldId id="259" r:id="rId8"/>
+    <p:sldId id="261" r:id="rId9"/>
+    <p:sldId id="262" r:id="rId10"/>
+    <p:sldId id="263" r:id="rId11"/>
+    <p:sldId id="266" r:id="rId12"/>
+    <p:sldId id="265" r:id="rId13"/>
   </p:sldIdLst>
   <p:sldSz cx="12192000" cy="6858000"/>
   <p:notesSz cx="6858000" cy="9144000"/>
@@ -120,6 +121,9 @@
   <p:extLst>
     <p:ext uri="{EFAFB233-063F-42B5-8137-9DF3F51BA10A}">
       <p15:sldGuideLst xmlns:p15="http://schemas.microsoft.com/office/powerpoint/2012/main"/>
+    </p:ext>
+    <p:ext uri="{2D200454-40CA-4A62-9FC3-DE9A4176ACB9}">
+      <p15:notesGuideLst xmlns:p15="http://schemas.microsoft.com/office/powerpoint/2012/main"/>
     </p:ext>
   </p:extLst>
 </p:presentation>
@@ -726,8 +730,8 @@
           <a:bodyPr/>
           <a:lstStyle/>
           <a:p>
-            <a:fld id="{48A87A34-81AB-432B-8DAE-1953F412C126}" type="datetimeFigureOut">
-              <a:rPr lang="en-US" dirty="0"/>
+            <a:fld id="{087854FD-208A-4C44-851D-2D2BA798626A}" type="datetime1">
+              <a:rPr lang="en-US" smtClean="0"/>
               <a:t>1/20/2019</a:t>
             </a:fld>
             <a:endParaRPr lang="en-US" dirty="0"/>
@@ -754,6 +758,10 @@
           <a:bodyPr/>
           <a:lstStyle/>
           <a:p>
+            <a:r>
+              <a:rPr lang="en-US"/>
+              <a:t>NC county population by growth rate.ipynb</a:t>
+            </a:r>
             <a:endParaRPr lang="en-US" dirty="0"/>
           </a:p>
         </p:txBody>
@@ -988,8 +996,8 @@
           <a:bodyPr/>
           <a:lstStyle/>
           <a:p>
-            <a:fld id="{48A87A34-81AB-432B-8DAE-1953F412C126}" type="datetimeFigureOut">
-              <a:rPr lang="en-US" dirty="0"/>
+            <a:fld id="{4398A69E-B9DF-4C22-AACE-ABC36BC18FDD}" type="datetime1">
+              <a:rPr lang="en-US" smtClean="0"/>
               <a:t>1/20/2019</a:t>
             </a:fld>
             <a:endParaRPr lang="en-US" dirty="0"/>
@@ -1011,6 +1019,10 @@
           <a:bodyPr/>
           <a:lstStyle/>
           <a:p>
+            <a:r>
+              <a:rPr lang="en-US"/>
+              <a:t>NC county population by growth rate.ipynb</a:t>
+            </a:r>
             <a:endParaRPr lang="en-US" dirty="0"/>
           </a:p>
         </p:txBody>
@@ -1214,9 +1226,8 @@
             </a:lvl1pPr>
           </a:lstStyle>
           <a:p>
-            <a:fld id="{48A87A34-81AB-432B-8DAE-1953F412C126}" type="datetimeFigureOut">
-              <a:rPr lang="en-US" dirty="0"/>
-              <a:pPr/>
+            <a:fld id="{D8E07B1D-CDB3-4096-A796-CA43FE89B647}" type="datetime1">
+              <a:rPr lang="en-US" smtClean="0"/>
               <a:t>1/20/2019</a:t>
             </a:fld>
             <a:endParaRPr lang="en-US" dirty="0"/>
@@ -1243,6 +1254,10 @@
           <a:bodyPr/>
           <a:lstStyle/>
           <a:p>
+            <a:r>
+              <a:rPr lang="en-US"/>
+              <a:t>NC county population by growth rate.ipynb</a:t>
+            </a:r>
             <a:endParaRPr lang="en-US" dirty="0"/>
           </a:p>
         </p:txBody>
@@ -1520,9 +1535,8 @@
             </a:lvl1pPr>
           </a:lstStyle>
           <a:p>
-            <a:fld id="{48A87A34-81AB-432B-8DAE-1953F412C126}" type="datetimeFigureOut">
-              <a:rPr lang="en-US" dirty="0"/>
-              <a:pPr/>
+            <a:fld id="{08C021AC-A13A-41E1-8AC6-9DA11D4E89AA}" type="datetime1">
+              <a:rPr lang="en-US" smtClean="0"/>
               <a:t>1/20/2019</a:t>
             </a:fld>
             <a:endParaRPr lang="en-US" dirty="0"/>
@@ -1549,6 +1563,10 @@
           <a:bodyPr/>
           <a:lstStyle/>
           <a:p>
+            <a:r>
+              <a:rPr lang="en-US"/>
+              <a:t>NC county population by growth rate.ipynb</a:t>
+            </a:r>
             <a:endParaRPr lang="en-US" dirty="0"/>
           </a:p>
         </p:txBody>
@@ -1989,9 +2007,8 @@
             </a:lvl1pPr>
           </a:lstStyle>
           <a:p>
-            <a:fld id="{48A87A34-81AB-432B-8DAE-1953F412C126}" type="datetimeFigureOut">
-              <a:rPr lang="en-US" dirty="0"/>
-              <a:pPr/>
+            <a:fld id="{4A2B6BC8-4096-4CB1-B016-08F5DAF7765A}" type="datetime1">
+              <a:rPr lang="en-US" smtClean="0"/>
               <a:t>1/20/2019</a:t>
             </a:fld>
             <a:endParaRPr lang="en-US" dirty="0"/>
@@ -2018,6 +2035,10 @@
           <a:bodyPr/>
           <a:lstStyle/>
           <a:p>
+            <a:r>
+              <a:rPr lang="en-US"/>
+              <a:t>NC county population by growth rate.ipynb</a:t>
+            </a:r>
             <a:endParaRPr lang="en-US" dirty="0"/>
           </a:p>
         </p:txBody>
@@ -2532,8 +2553,8 @@
           <a:bodyPr/>
           <a:lstStyle/>
           <a:p>
-            <a:fld id="{48A87A34-81AB-432B-8DAE-1953F412C126}" type="datetimeFigureOut">
-              <a:rPr lang="en-US" dirty="0"/>
+            <a:fld id="{C08391A9-AAE5-45A0-A6B4-60846F445944}" type="datetime1">
+              <a:rPr lang="en-US" smtClean="0"/>
               <a:t>1/20/2019</a:t>
             </a:fld>
             <a:endParaRPr lang="en-US" dirty="0"/>
@@ -2555,6 +2576,10 @@
           <a:bodyPr/>
           <a:lstStyle/>
           <a:p>
+            <a:r>
+              <a:rPr lang="en-US"/>
+              <a:t>NC county population by growth rate.ipynb</a:t>
+            </a:r>
             <a:endParaRPr lang="en-US" dirty="0"/>
           </a:p>
         </p:txBody>
@@ -3301,8 +3326,8 @@
           <a:bodyPr/>
           <a:lstStyle/>
           <a:p>
-            <a:fld id="{48A87A34-81AB-432B-8DAE-1953F412C126}" type="datetimeFigureOut">
-              <a:rPr lang="en-US" dirty="0"/>
+            <a:fld id="{CC477687-664A-45D4-AF3F-263825A62E5F}" type="datetime1">
+              <a:rPr lang="en-US" smtClean="0"/>
               <a:t>1/20/2019</a:t>
             </a:fld>
             <a:endParaRPr lang="en-US" dirty="0"/>
@@ -3324,6 +3349,10 @@
           <a:bodyPr/>
           <a:lstStyle/>
           <a:p>
+            <a:r>
+              <a:rPr lang="en-US"/>
+              <a:t>NC county population by growth rate.ipynb</a:t>
+            </a:r>
             <a:endParaRPr lang="en-US" dirty="0"/>
           </a:p>
         </p:txBody>
@@ -3471,8 +3500,8 @@
           <a:bodyPr/>
           <a:lstStyle/>
           <a:p>
-            <a:fld id="{48A87A34-81AB-432B-8DAE-1953F412C126}" type="datetimeFigureOut">
-              <a:rPr lang="en-US" dirty="0"/>
+            <a:fld id="{3BB01675-064D-44FD-B536-85EECDD767E4}" type="datetime1">
+              <a:rPr lang="en-US" smtClean="0"/>
               <a:t>1/20/2019</a:t>
             </a:fld>
             <a:endParaRPr lang="en-US" dirty="0"/>
@@ -3494,6 +3523,10 @@
           <a:bodyPr/>
           <a:lstStyle/>
           <a:p>
+            <a:r>
+              <a:rPr lang="en-US"/>
+              <a:t>NC county population by growth rate.ipynb</a:t>
+            </a:r>
             <a:endParaRPr lang="en-US" dirty="0"/>
           </a:p>
         </p:txBody>
@@ -3689,9 +3722,8 @@
             </a:lvl1pPr>
           </a:lstStyle>
           <a:p>
-            <a:fld id="{48A87A34-81AB-432B-8DAE-1953F412C126}" type="datetimeFigureOut">
-              <a:rPr lang="en-US" dirty="0"/>
-              <a:pPr/>
+            <a:fld id="{44D3BC9E-B9EB-4F16-B11F-E8E614F3A490}" type="datetime1">
+              <a:rPr lang="en-US" smtClean="0"/>
               <a:t>1/20/2019</a:t>
             </a:fld>
             <a:endParaRPr lang="en-US" dirty="0"/>
@@ -3718,6 +3750,10 @@
           <a:bodyPr/>
           <a:lstStyle/>
           <a:p>
+            <a:r>
+              <a:rPr lang="en-US"/>
+              <a:t>NC county population by growth rate.ipynb</a:t>
+            </a:r>
             <a:endParaRPr lang="en-US" dirty="0"/>
           </a:p>
         </p:txBody>
@@ -3865,8 +3901,8 @@
           <a:bodyPr/>
           <a:lstStyle/>
           <a:p>
-            <a:fld id="{48A87A34-81AB-432B-8DAE-1953F412C126}" type="datetimeFigureOut">
-              <a:rPr lang="en-US" dirty="0"/>
+            <a:fld id="{F8EDA6F4-FE8E-4C9E-9945-E8E875CE6068}" type="datetime1">
+              <a:rPr lang="en-US" smtClean="0"/>
               <a:t>1/20/2019</a:t>
             </a:fld>
             <a:endParaRPr lang="en-US" dirty="0"/>
@@ -3888,6 +3924,10 @@
           <a:bodyPr/>
           <a:lstStyle/>
           <a:p>
+            <a:r>
+              <a:rPr lang="en-US"/>
+              <a:t>NC county population by growth rate.ipynb</a:t>
+            </a:r>
             <a:endParaRPr lang="en-US" dirty="0"/>
           </a:p>
         </p:txBody>
@@ -4149,9 +4189,8 @@
             </a:lvl1pPr>
           </a:lstStyle>
           <a:p>
-            <a:fld id="{48A87A34-81AB-432B-8DAE-1953F412C126}" type="datetimeFigureOut">
-              <a:rPr lang="en-US" dirty="0"/>
-              <a:pPr/>
+            <a:fld id="{7DBBCC6B-3ED7-4010-B7C8-243423A442DF}" type="datetime1">
+              <a:rPr lang="en-US" smtClean="0"/>
               <a:t>1/20/2019</a:t>
             </a:fld>
             <a:endParaRPr lang="en-US" dirty="0"/>
@@ -4178,6 +4217,10 @@
           <a:bodyPr/>
           <a:lstStyle/>
           <a:p>
+            <a:r>
+              <a:rPr lang="en-US"/>
+              <a:t>NC county population by growth rate.ipynb</a:t>
+            </a:r>
             <a:endParaRPr lang="en-US" dirty="0"/>
           </a:p>
         </p:txBody>
@@ -4387,8 +4430,8 @@
           <a:bodyPr/>
           <a:lstStyle/>
           <a:p>
-            <a:fld id="{48A87A34-81AB-432B-8DAE-1953F412C126}" type="datetimeFigureOut">
-              <a:rPr lang="en-US" dirty="0"/>
+            <a:fld id="{D1FE269D-2DC6-4A32-A537-F74EE5215011}" type="datetime1">
+              <a:rPr lang="en-US" smtClean="0"/>
               <a:t>1/20/2019</a:t>
             </a:fld>
             <a:endParaRPr lang="en-US" dirty="0"/>
@@ -4410,6 +4453,10 @@
           <a:bodyPr/>
           <a:lstStyle/>
           <a:p>
+            <a:r>
+              <a:rPr lang="en-US"/>
+              <a:t>NC county population by growth rate.ipynb</a:t>
+            </a:r>
             <a:endParaRPr lang="en-US" dirty="0"/>
           </a:p>
         </p:txBody>
@@ -4761,8 +4808,8 @@
           <a:bodyPr/>
           <a:lstStyle/>
           <a:p>
-            <a:fld id="{48A87A34-81AB-432B-8DAE-1953F412C126}" type="datetimeFigureOut">
-              <a:rPr lang="en-US" dirty="0"/>
+            <a:fld id="{A74D7546-BCBA-46A7-8065-8E94F65EF83F}" type="datetime1">
+              <a:rPr lang="en-US" smtClean="0"/>
               <a:t>1/20/2019</a:t>
             </a:fld>
             <a:endParaRPr lang="en-US" dirty="0"/>
@@ -4784,6 +4831,10 @@
           <a:bodyPr/>
           <a:lstStyle/>
           <a:p>
+            <a:r>
+              <a:rPr lang="en-US"/>
+              <a:t>NC county population by growth rate.ipynb</a:t>
+            </a:r>
             <a:endParaRPr lang="en-US" dirty="0"/>
           </a:p>
         </p:txBody>
@@ -4874,8 +4925,8 @@
           <a:bodyPr/>
           <a:lstStyle/>
           <a:p>
-            <a:fld id="{48A87A34-81AB-432B-8DAE-1953F412C126}" type="datetimeFigureOut">
-              <a:rPr lang="en-US" dirty="0"/>
+            <a:fld id="{5687AA2A-926F-4BE5-94D8-C5678B13AF79}" type="datetime1">
+              <a:rPr lang="en-US" smtClean="0"/>
               <a:t>1/20/2019</a:t>
             </a:fld>
             <a:endParaRPr lang="en-US" dirty="0"/>
@@ -4897,6 +4948,10 @@
           <a:bodyPr/>
           <a:lstStyle/>
           <a:p>
+            <a:r>
+              <a:rPr lang="en-US"/>
+              <a:t>NC county population by growth rate.ipynb</a:t>
+            </a:r>
             <a:endParaRPr lang="en-US" dirty="0"/>
           </a:p>
         </p:txBody>
@@ -4964,8 +5019,8 @@
           <a:bodyPr/>
           <a:lstStyle/>
           <a:p>
-            <a:fld id="{48A87A34-81AB-432B-8DAE-1953F412C126}" type="datetimeFigureOut">
-              <a:rPr lang="en-US" dirty="0"/>
+            <a:fld id="{84834B64-7529-4855-B067-19556CD4451A}" type="datetime1">
+              <a:rPr lang="en-US" smtClean="0"/>
               <a:t>1/20/2019</a:t>
             </a:fld>
             <a:endParaRPr lang="en-US" dirty="0"/>
@@ -4987,6 +5042,10 @@
           <a:bodyPr/>
           <a:lstStyle/>
           <a:p>
+            <a:r>
+              <a:rPr lang="en-US"/>
+              <a:t>NC county population by growth rate.ipynb</a:t>
+            </a:r>
             <a:endParaRPr lang="en-US" dirty="0"/>
           </a:p>
         </p:txBody>
@@ -5208,8 +5267,8 @@
           <a:bodyPr/>
           <a:lstStyle/>
           <a:p>
-            <a:fld id="{48A87A34-81AB-432B-8DAE-1953F412C126}" type="datetimeFigureOut">
-              <a:rPr lang="en-US" dirty="0"/>
+            <a:fld id="{4C737946-B8A3-4F29-A63D-ED059114489A}" type="datetime1">
+              <a:rPr lang="en-US" smtClean="0"/>
               <a:t>1/20/2019</a:t>
             </a:fld>
             <a:endParaRPr lang="en-US" dirty="0"/>
@@ -5231,6 +5290,10 @@
           <a:bodyPr/>
           <a:lstStyle/>
           <a:p>
+            <a:r>
+              <a:rPr lang="en-US"/>
+              <a:t>NC county population by growth rate.ipynb</a:t>
+            </a:r>
             <a:endParaRPr lang="en-US" dirty="0"/>
           </a:p>
         </p:txBody>
@@ -5460,8 +5523,8 @@
           <a:bodyPr/>
           <a:lstStyle/>
           <a:p>
-            <a:fld id="{48A87A34-81AB-432B-8DAE-1953F412C126}" type="datetimeFigureOut">
-              <a:rPr lang="en-US" dirty="0"/>
+            <a:fld id="{6D7361A8-5E42-4E5E-872A-AF69B61596F9}" type="datetime1">
+              <a:rPr lang="en-US" smtClean="0"/>
               <a:t>1/20/2019</a:t>
             </a:fld>
             <a:endParaRPr lang="en-US" dirty="0"/>
@@ -5483,6 +5546,10 @@
           <a:bodyPr/>
           <a:lstStyle/>
           <a:p>
+            <a:r>
+              <a:rPr lang="en-US"/>
+              <a:t>NC county population by growth rate.ipynb</a:t>
+            </a:r>
             <a:endParaRPr lang="en-US" dirty="0"/>
           </a:p>
         </p:txBody>
@@ -5698,9 +5765,8 @@
             </a:lvl1pPr>
           </a:lstStyle>
           <a:p>
-            <a:fld id="{48A87A34-81AB-432B-8DAE-1953F412C126}" type="datetimeFigureOut">
-              <a:rPr lang="en-US" dirty="0"/>
-              <a:pPr/>
+            <a:fld id="{C8DA0BBE-6CDC-47A8-90AB-BA8366541172}" type="datetime1">
+              <a:rPr lang="en-US" smtClean="0"/>
               <a:t>1/20/2019</a:t>
             </a:fld>
             <a:endParaRPr lang="en-US" dirty="0"/>
@@ -5740,6 +5806,10 @@
             </a:lvl1pPr>
           </a:lstStyle>
           <a:p>
+            <a:r>
+              <a:rPr lang="en-US"/>
+              <a:t>NC county population by growth rate.ipynb</a:t>
+            </a:r>
             <a:endParaRPr lang="en-US" dirty="0"/>
           </a:p>
         </p:txBody>
@@ -5808,6 +5878,7 @@
     <p:sldLayoutId id="2147483658" r:id="rId16"/>
     <p:sldLayoutId id="2147483659" r:id="rId17"/>
   </p:sldLayoutIdLst>
+  <p:hf sldNum="0" hdr="0" dt="0"/>
   <p:txStyles>
     <p:titleStyle>
       <a:lvl1pPr algn="r" defTabSz="914400" rtl="0" eaLnBrk="1" latinLnBrk="0" hangingPunct="1">
@@ -6277,7 +6348,7 @@
           <p:cNvPr id="2" name="Title 1">
             <a:extLst>
               <a:ext uri="{FF2B5EF4-FFF2-40B4-BE49-F238E27FC236}">
-                <a16:creationId xmlns:a16="http://schemas.microsoft.com/office/drawing/2014/main" id="{C64FFFF3-14C0-4203-B11B-D89D6C8FEC23}"/>
+                <a16:creationId xmlns:a16="http://schemas.microsoft.com/office/drawing/2014/main" id="{67956FD4-0C36-3E40-9213-2FF483F7538D}"/>
               </a:ext>
             </a:extLst>
           </p:cNvPr>
@@ -6295,26 +6366,55 @@
           <a:p>
             <a:r>
               <a:rPr lang="en-US" dirty="0"/>
-              <a:t>Conclusions</a:t>
-            </a:r>
-          </a:p>
-        </p:txBody>
-      </p:sp>
-      <p:sp>
-        <p:nvSpPr>
-          <p:cNvPr id="3" name="Content Placeholder 2">
+              <a:t>Community : Homelessness</a:t>
+            </a:r>
+          </a:p>
+        </p:txBody>
+      </p:sp>
+      <p:pic>
+        <p:nvPicPr>
+          <p:cNvPr id="9" name="Content Placeholder 8">
             <a:extLst>
               <a:ext uri="{FF2B5EF4-FFF2-40B4-BE49-F238E27FC236}">
-                <a16:creationId xmlns:a16="http://schemas.microsoft.com/office/drawing/2014/main" id="{1BF2444E-115A-4ECA-A800-5D48D6EDD2BC}"/>
+                <a16:creationId xmlns:a16="http://schemas.microsoft.com/office/drawing/2014/main" id="{478AEBEB-7594-4194-B523-FAC938C7C722}"/>
               </a:ext>
             </a:extLst>
           </p:cNvPr>
-          <p:cNvSpPr>
-            <a:spLocks noGrp="1"/>
-          </p:cNvSpPr>
+          <p:cNvPicPr>
+            <a:picLocks noGrp="1" noChangeAspect="1"/>
+          </p:cNvPicPr>
           <p:nvPr>
             <p:ph idx="1"/>
           </p:nvPr>
+        </p:nvPicPr>
+        <p:blipFill>
+          <a:blip r:embed="rId2"/>
+          <a:stretch>
+            <a:fillRect/>
+          </a:stretch>
+        </p:blipFill>
+        <p:spPr>
+          <a:xfrm>
+            <a:off x="2876549" y="2193925"/>
+            <a:ext cx="6438901" cy="4024313"/>
+          </a:xfrm>
+        </p:spPr>
+      </p:pic>
+      <p:sp>
+        <p:nvSpPr>
+          <p:cNvPr id="3" name="Footer Placeholder 2">
+            <a:extLst>
+              <a:ext uri="{FF2B5EF4-FFF2-40B4-BE49-F238E27FC236}">
+                <a16:creationId xmlns:a16="http://schemas.microsoft.com/office/drawing/2014/main" id="{0AE629ED-64E7-4EEE-8040-03BA009B00E1}"/>
+              </a:ext>
+            </a:extLst>
+          </p:cNvPr>
+          <p:cNvSpPr>
+            <a:spLocks noGrp="1"/>
+          </p:cNvSpPr>
+          <p:nvPr>
+            <p:ph type="ftr" sz="quarter" idx="11"/>
+          </p:nvPr>
         </p:nvSpPr>
         <p:spPr/>
         <p:txBody>
@@ -6322,69 +6422,9 @@
           <a:lstStyle/>
           <a:p>
             <a:r>
-              <a:rPr lang="en-US" dirty="0"/>
-              <a:t>The recent growth rate of Charlotte has increased the standard of living despite the concerns for affordable housing. </a:t>
-            </a:r>
-          </a:p>
-          <a:p>
-            <a:r>
-              <a:rPr lang="en-US" dirty="0"/>
-              <a:t>Data mining for this was impeded by 2 things. </a:t>
-            </a:r>
-          </a:p>
-          <a:p>
-            <a:pPr lvl="1"/>
-            <a:r>
-              <a:rPr lang="en-US" dirty="0"/>
-              <a:t>Data is not free on housing and salary information</a:t>
-            </a:r>
-          </a:p>
-          <a:p>
-            <a:pPr lvl="1"/>
-            <a:r>
-              <a:rPr lang="en-US" dirty="0"/>
-              <a:t>Government data sources were shutdown. </a:t>
-            </a:r>
-          </a:p>
-          <a:p>
-            <a:endParaRPr lang="en-US" dirty="0"/>
-          </a:p>
-          <a:p>
-            <a:r>
-              <a:rPr lang="en-US" dirty="0"/>
-              <a:t>2010 the homeless population of Mecklenburg began deceasing. </a:t>
-            </a:r>
-          </a:p>
-          <a:p>
-            <a:pPr lvl="1"/>
-            <a:r>
-              <a:rPr lang="en-US" dirty="0"/>
-              <a:t>2009 President Obama’s Open Door policy was deployed. </a:t>
-            </a:r>
-          </a:p>
-          <a:p>
-            <a:pPr lvl="1"/>
-            <a:r>
-              <a:rPr lang="en-US" dirty="0"/>
-              <a:t>2015 the policy was amended </a:t>
-            </a:r>
-          </a:p>
-          <a:p>
-            <a:pPr lvl="1"/>
-            <a:endParaRPr lang="en-US" dirty="0"/>
-          </a:p>
-          <a:p>
-            <a:pPr marL="457200" lvl="1" indent="0">
-              <a:buNone/>
-            </a:pPr>
-            <a:endParaRPr lang="en-US" dirty="0"/>
-          </a:p>
-          <a:p>
-            <a:pPr lvl="1"/>
-            <a:endParaRPr lang="en-US" dirty="0"/>
-          </a:p>
-          <a:p>
-            <a:pPr lvl="1"/>
+              <a:rPr lang="en-US" dirty="0" err="1"/>
+              <a:t>HomelessLineChartCJ.ipynb</a:t>
+            </a:r>
             <a:endParaRPr lang="en-US" dirty="0"/>
           </a:p>
         </p:txBody>
@@ -6392,7 +6432,7 @@
     </p:spTree>
     <p:extLst>
       <p:ext uri="{BB962C8B-B14F-4D97-AF65-F5344CB8AC3E}">
-        <p14:creationId xmlns:p14="http://schemas.microsoft.com/office/powerpoint/2010/main" val="3629546243"/>
+        <p14:creationId xmlns:p14="http://schemas.microsoft.com/office/powerpoint/2010/main" val="2333377690"/>
       </p:ext>
     </p:extLst>
   </p:cSld>
@@ -6424,6 +6464,187 @@
           <p:cNvPr id="2" name="Title 1">
             <a:extLst>
               <a:ext uri="{FF2B5EF4-FFF2-40B4-BE49-F238E27FC236}">
+                <a16:creationId xmlns:a16="http://schemas.microsoft.com/office/drawing/2014/main" id="{C64FFFF3-14C0-4203-B11B-D89D6C8FEC23}"/>
+              </a:ext>
+            </a:extLst>
+          </p:cNvPr>
+          <p:cNvSpPr>
+            <a:spLocks noGrp="1"/>
+          </p:cNvSpPr>
+          <p:nvPr>
+            <p:ph type="title"/>
+          </p:nvPr>
+        </p:nvSpPr>
+        <p:spPr/>
+        <p:txBody>
+          <a:bodyPr/>
+          <a:lstStyle/>
+          <a:p>
+            <a:r>
+              <a:rPr lang="en-US" dirty="0"/>
+              <a:t>Conclusions</a:t>
+            </a:r>
+          </a:p>
+        </p:txBody>
+      </p:sp>
+      <p:sp>
+        <p:nvSpPr>
+          <p:cNvPr id="3" name="Content Placeholder 2">
+            <a:extLst>
+              <a:ext uri="{FF2B5EF4-FFF2-40B4-BE49-F238E27FC236}">
+                <a16:creationId xmlns:a16="http://schemas.microsoft.com/office/drawing/2014/main" id="{1BF2444E-115A-4ECA-A800-5D48D6EDD2BC}"/>
+              </a:ext>
+            </a:extLst>
+          </p:cNvPr>
+          <p:cNvSpPr>
+            <a:spLocks noGrp="1"/>
+          </p:cNvSpPr>
+          <p:nvPr>
+            <p:ph idx="1"/>
+          </p:nvPr>
+        </p:nvSpPr>
+        <p:spPr/>
+        <p:txBody>
+          <a:bodyPr>
+            <a:normAutofit fontScale="92500" lnSpcReduction="10000"/>
+          </a:bodyPr>
+          <a:lstStyle/>
+          <a:p>
+            <a:r>
+              <a:rPr lang="en-US" dirty="0"/>
+              <a:t>2 out of 4 of the expected results of the hypothesis we not supported. </a:t>
+            </a:r>
+          </a:p>
+          <a:p>
+            <a:pPr lvl="1"/>
+            <a:r>
+              <a:rPr lang="en-US" dirty="0"/>
+              <a:t>The Population increase 	-- Supported</a:t>
+            </a:r>
+          </a:p>
+          <a:p>
+            <a:pPr lvl="1"/>
+            <a:r>
+              <a:rPr lang="en-US" dirty="0"/>
+              <a:t>Cost of living  		-- Unsupported</a:t>
+            </a:r>
+          </a:p>
+          <a:p>
+            <a:pPr lvl="1"/>
+            <a:r>
+              <a:rPr lang="en-US" dirty="0"/>
+              <a:t>Housing prices 		-- Supported</a:t>
+            </a:r>
+          </a:p>
+          <a:p>
+            <a:pPr lvl="1"/>
+            <a:r>
+              <a:rPr lang="en-US" dirty="0"/>
+              <a:t>Homelessness 		-- Unsupported</a:t>
+            </a:r>
+          </a:p>
+          <a:p>
+            <a:r>
+              <a:rPr lang="en-US" dirty="0"/>
+              <a:t>2010 the homeless population of Mecklenburg began deceasing. </a:t>
+            </a:r>
+          </a:p>
+          <a:p>
+            <a:pPr lvl="1"/>
+            <a:r>
+              <a:rPr lang="en-US" dirty="0"/>
+              <a:t>2009 President Obama’s Open Door policy was deployed. Correlates to the drop </a:t>
+            </a:r>
+            <a:r>
+              <a:rPr lang="en-US"/>
+              <a:t>in homelessness. </a:t>
+            </a:r>
+            <a:endParaRPr lang="en-US" dirty="0"/>
+          </a:p>
+          <a:p>
+            <a:r>
+              <a:rPr lang="en-US" dirty="0"/>
+              <a:t>The recent growth rate of Charlotte has increased along with the standard of living despite the concerns for affordable housing. </a:t>
+            </a:r>
+          </a:p>
+          <a:p>
+            <a:r>
+              <a:rPr lang="en-US" dirty="0"/>
+              <a:t>Data mining for this was impeded by 2 things. </a:t>
+            </a:r>
+          </a:p>
+          <a:p>
+            <a:pPr lvl="1"/>
+            <a:r>
+              <a:rPr lang="en-US" dirty="0"/>
+              <a:t>Data is not free on housing and salary information</a:t>
+            </a:r>
+          </a:p>
+          <a:p>
+            <a:pPr lvl="1"/>
+            <a:r>
+              <a:rPr lang="en-US" dirty="0"/>
+              <a:t>Government data sources were shutdown. </a:t>
+            </a:r>
+          </a:p>
+          <a:p>
+            <a:endParaRPr lang="en-US" dirty="0"/>
+          </a:p>
+          <a:p>
+            <a:pPr lvl="1"/>
+            <a:endParaRPr lang="en-US" dirty="0"/>
+          </a:p>
+          <a:p>
+            <a:pPr marL="457200" lvl="1" indent="0">
+              <a:buNone/>
+            </a:pPr>
+            <a:endParaRPr lang="en-US" dirty="0"/>
+          </a:p>
+          <a:p>
+            <a:pPr lvl="1"/>
+            <a:endParaRPr lang="en-US" dirty="0"/>
+          </a:p>
+          <a:p>
+            <a:pPr lvl="1"/>
+            <a:endParaRPr lang="en-US" dirty="0"/>
+          </a:p>
+        </p:txBody>
+      </p:sp>
+    </p:spTree>
+    <p:extLst>
+      <p:ext uri="{BB962C8B-B14F-4D97-AF65-F5344CB8AC3E}">
+        <p14:creationId xmlns:p14="http://schemas.microsoft.com/office/powerpoint/2010/main" val="3629546243"/>
+      </p:ext>
+    </p:extLst>
+  </p:cSld>
+  <p:clrMapOvr>
+    <a:masterClrMapping/>
+  </p:clrMapOvr>
+</p:sld>
+</file>
+
+<file path=ppt/slides/slide12.xml><?xml version="1.0" encoding="utf-8"?>
+<p:sld xmlns:a="http://schemas.openxmlformats.org/drawingml/2006/main" xmlns:r="http://schemas.openxmlformats.org/officeDocument/2006/relationships" xmlns:p="http://schemas.openxmlformats.org/presentationml/2006/main">
+  <p:cSld>
+    <p:spTree>
+      <p:nvGrpSpPr>
+        <p:cNvPr id="1" name=""/>
+        <p:cNvGrpSpPr/>
+        <p:nvPr/>
+      </p:nvGrpSpPr>
+      <p:grpSpPr>
+        <a:xfrm>
+          <a:off x="0" y="0"/>
+          <a:ext cx="0" cy="0"/>
+          <a:chOff x="0" y="0"/>
+          <a:chExt cx="0" cy="0"/>
+        </a:xfrm>
+      </p:grpSpPr>
+      <p:sp>
+        <p:nvSpPr>
+          <p:cNvPr id="2" name="Title 1">
+            <a:extLst>
+              <a:ext uri="{FF2B5EF4-FFF2-40B4-BE49-F238E27FC236}">
                 <a16:creationId xmlns:a16="http://schemas.microsoft.com/office/drawing/2014/main" id="{5FC437D0-AD22-324E-96D9-473F706C9036}"/>
               </a:ext>
             </a:extLst>
@@ -6606,6 +6827,35 @@
             <a:pPr marL="0" indent="0">
               <a:buNone/>
             </a:pPr>
+            <a:endParaRPr lang="en-US" dirty="0"/>
+          </a:p>
+        </p:txBody>
+      </p:sp>
+      <p:sp>
+        <p:nvSpPr>
+          <p:cNvPr id="4" name="Footer Placeholder 3">
+            <a:extLst>
+              <a:ext uri="{FF2B5EF4-FFF2-40B4-BE49-F238E27FC236}">
+                <a16:creationId xmlns:a16="http://schemas.microsoft.com/office/drawing/2014/main" id="{E7EEBED9-748E-4CF9-92BC-A5BB3814751C}"/>
+              </a:ext>
+            </a:extLst>
+          </p:cNvPr>
+          <p:cNvSpPr>
+            <a:spLocks noGrp="1"/>
+          </p:cNvSpPr>
+          <p:nvPr>
+            <p:ph type="ftr" sz="quarter" idx="11"/>
+          </p:nvPr>
+        </p:nvSpPr>
+        <p:spPr/>
+        <p:txBody>
+          <a:bodyPr/>
+          <a:lstStyle/>
+          <a:p>
+            <a:r>
+              <a:rPr lang="en-US"/>
+              <a:t>NC county population by growth rate.ipynb</a:t>
+            </a:r>
             <a:endParaRPr lang="en-US" dirty="0"/>
           </a:p>
         </p:txBody>
@@ -6712,7 +6962,14 @@
             <a:pPr lvl="1"/>
             <a:r>
               <a:rPr lang="en-US" dirty="0"/>
-              <a:t>Cost of living </a:t>
+              <a:t>Housing prices</a:t>
+            </a:r>
+          </a:p>
+          <a:p>
+            <a:pPr lvl="1"/>
+            <a:r>
+              <a:rPr lang="en-US" dirty="0"/>
+              <a:t>Cost of living</a:t>
             </a:r>
           </a:p>
           <a:p>
@@ -6762,7 +7019,7 @@
           <p:cNvPr id="2" name="Title 1">
             <a:extLst>
               <a:ext uri="{FF2B5EF4-FFF2-40B4-BE49-F238E27FC236}">
-                <a16:creationId xmlns:a16="http://schemas.microsoft.com/office/drawing/2014/main" id="{746790A4-C653-4C43-87A2-A0CEB88B912A}"/>
+                <a16:creationId xmlns:a16="http://schemas.microsoft.com/office/drawing/2014/main" id="{994979CF-34B4-9B4B-AE26-F01A692F1F68}"/>
               </a:ext>
             </a:extLst>
           </p:cNvPr>
@@ -6779,119 +7036,66 @@
           <a:lstStyle/>
           <a:p>
             <a:r>
+              <a:rPr lang="en-US" dirty="0" err="1"/>
+              <a:t>Defintions</a:t>
+            </a:r>
+            <a:r>
               <a:rPr lang="en-US" dirty="0"/>
-              <a:t>Migration : population growth </a:t>
-            </a:r>
-          </a:p>
-        </p:txBody>
-      </p:sp>
-      <p:pic>
-        <p:nvPicPr>
-          <p:cNvPr id="9" name="Content Placeholder 8">
+              <a:t>:</a:t>
+            </a:r>
+          </a:p>
+        </p:txBody>
+      </p:sp>
+      <p:sp>
+        <p:nvSpPr>
+          <p:cNvPr id="3" name="Content Placeholder 2">
             <a:extLst>
               <a:ext uri="{FF2B5EF4-FFF2-40B4-BE49-F238E27FC236}">
-                <a16:creationId xmlns:a16="http://schemas.microsoft.com/office/drawing/2014/main" id="{02CF2E62-54BE-4989-8CE2-93D0F8B794E1}"/>
+                <a16:creationId xmlns:a16="http://schemas.microsoft.com/office/drawing/2014/main" id="{4C92470C-A13F-434D-81E8-E3529C812C60}"/>
               </a:ext>
             </a:extLst>
           </p:cNvPr>
-          <p:cNvPicPr>
-            <a:picLocks noGrp="1" noChangeAspect="1"/>
-          </p:cNvPicPr>
+          <p:cNvSpPr>
+            <a:spLocks noGrp="1"/>
+          </p:cNvSpPr>
           <p:nvPr>
             <p:ph idx="1"/>
           </p:nvPr>
-        </p:nvPicPr>
-        <p:blipFill>
-          <a:blip r:embed="rId2"/>
-          <a:stretch>
-            <a:fillRect/>
-          </a:stretch>
-        </p:blipFill>
-        <p:spPr>
-          <a:xfrm>
-            <a:off x="103094" y="2057401"/>
-            <a:ext cx="12072474" cy="1810870"/>
-          </a:xfrm>
-        </p:spPr>
-      </p:pic>
-      <p:sp>
-        <p:nvSpPr>
-          <p:cNvPr id="10" name="TextBox 9">
-            <a:extLst>
-              <a:ext uri="{FF2B5EF4-FFF2-40B4-BE49-F238E27FC236}">
-                <a16:creationId xmlns:a16="http://schemas.microsoft.com/office/drawing/2014/main" id="{7584D2A6-3E04-4705-AEE1-F98467F92139}"/>
-              </a:ext>
-            </a:extLst>
-          </p:cNvPr>
-          <p:cNvSpPr txBox="1"/>
-          <p:nvPr/>
-        </p:nvSpPr>
-        <p:spPr>
-          <a:xfrm>
-            <a:off x="1393544" y="4262718"/>
-            <a:ext cx="9631098" cy="1569660"/>
-          </a:xfrm>
-          <a:prstGeom prst="rect">
-            <a:avLst/>
-          </a:prstGeom>
-          <a:solidFill>
-            <a:schemeClr val="bg2">
-              <a:lumMod val="60000"/>
-              <a:lumOff val="40000"/>
-            </a:schemeClr>
-          </a:solidFill>
-        </p:spPr>
-        <p:txBody>
-          <a:bodyPr wrap="square" rtlCol="0">
-            <a:spAutoFit/>
-          </a:bodyPr>
-          <a:lstStyle/>
-          <a:p>
-            <a:pPr marL="342900" indent="-342900">
-              <a:buFont typeface="Arial" panose="020B0604020202020204" pitchFamily="34" charset="0"/>
-              <a:buChar char="•"/>
-            </a:pPr>
-            <a:r>
-              <a:rPr lang="en-US" sz="2400" dirty="0"/>
-              <a:t>Mecklenburg County is number 1 in total population</a:t>
-            </a:r>
-          </a:p>
-          <a:p>
-            <a:pPr marL="342900" indent="-342900">
-              <a:buFont typeface="Arial" panose="020B0604020202020204" pitchFamily="34" charset="0"/>
-              <a:buChar char="•"/>
-            </a:pPr>
-            <a:r>
-              <a:rPr lang="en-US" sz="2400" dirty="0"/>
-              <a:t>Mecklenburg County is number 2 in Numeric Change</a:t>
-            </a:r>
-          </a:p>
-          <a:p>
-            <a:pPr marL="342900" indent="-342900">
-              <a:buFont typeface="Arial" panose="020B0604020202020204" pitchFamily="34" charset="0"/>
-              <a:buChar char="•"/>
-            </a:pPr>
-            <a:r>
-              <a:rPr lang="en-US" sz="2400" dirty="0"/>
-              <a:t>Mecklenburg County is number 3 in Growth Rate</a:t>
-            </a:r>
-          </a:p>
-          <a:p>
-            <a:pPr marL="342900" indent="-342900">
-              <a:buFont typeface="Arial" panose="020B0604020202020204" pitchFamily="34" charset="0"/>
-              <a:buChar char="•"/>
-            </a:pPr>
-            <a:r>
-              <a:rPr lang="en-US" sz="2400" dirty="0"/>
-              <a:t>Mecklenburg Counties Growth Rate is 17%</a:t>
-            </a:r>
+        </p:nvSpPr>
+        <p:spPr/>
+        <p:txBody>
+          <a:bodyPr/>
+          <a:lstStyle/>
+          <a:p>
+            <a:r>
+              <a:rPr lang="en-US" dirty="0"/>
+              <a:t>Homelessness</a:t>
+            </a:r>
+          </a:p>
+          <a:p>
+            <a:r>
+              <a:rPr lang="en-US" dirty="0"/>
+              <a:t>Poverty </a:t>
+            </a:r>
+          </a:p>
+          <a:p>
+            <a:r>
+              <a:rPr lang="en-US" dirty="0"/>
+              <a:t>Cost of Living index</a:t>
+            </a:r>
+          </a:p>
+          <a:p>
+            <a:endParaRPr lang="en-US" dirty="0"/>
+          </a:p>
+          <a:p>
+            <a:endParaRPr lang="en-US" dirty="0"/>
           </a:p>
         </p:txBody>
       </p:sp>
     </p:spTree>
     <p:extLst>
       <p:ext uri="{BB962C8B-B14F-4D97-AF65-F5344CB8AC3E}">
-        <p14:creationId xmlns:p14="http://schemas.microsoft.com/office/powerpoint/2010/main" val="3365969115"/>
+        <p14:creationId xmlns:p14="http://schemas.microsoft.com/office/powerpoint/2010/main" val="164386492"/>
       </p:ext>
     </p:extLst>
   </p:cSld>
@@ -6923,7 +7127,7 @@
           <p:cNvPr id="2" name="Title 1">
             <a:extLst>
               <a:ext uri="{FF2B5EF4-FFF2-40B4-BE49-F238E27FC236}">
-                <a16:creationId xmlns:a16="http://schemas.microsoft.com/office/drawing/2014/main" id="{CE411B2D-13B0-8E4F-9D7E-495B3AC1A064}"/>
+                <a16:creationId xmlns:a16="http://schemas.microsoft.com/office/drawing/2014/main" id="{746790A4-C653-4C43-87A2-A0CEB88B912A}"/>
               </a:ext>
             </a:extLst>
           </p:cNvPr>
@@ -6941,22 +7145,17 @@
           <a:p>
             <a:r>
               <a:rPr lang="en-US" dirty="0"/>
-              <a:t>Population </a:t>
-            </a:r>
-            <a:r>
-              <a:rPr lang="en-US" dirty="0" err="1"/>
-              <a:t>CHange</a:t>
-            </a:r>
-            <a:endParaRPr lang="en-US" dirty="0"/>
+              <a:t>Migration : population growth </a:t>
+            </a:r>
           </a:p>
         </p:txBody>
       </p:sp>
       <p:pic>
         <p:nvPicPr>
-          <p:cNvPr id="5" name="Content Placeholder 4">
+          <p:cNvPr id="9" name="Content Placeholder 8">
             <a:extLst>
               <a:ext uri="{FF2B5EF4-FFF2-40B4-BE49-F238E27FC236}">
-                <a16:creationId xmlns:a16="http://schemas.microsoft.com/office/drawing/2014/main" id="{B6590EF7-454C-496C-A488-E495A97E9A0F}"/>
+                <a16:creationId xmlns:a16="http://schemas.microsoft.com/office/drawing/2014/main" id="{02CF2E62-54BE-4989-8CE2-93D0F8B794E1}"/>
               </a:ext>
             </a:extLst>
           </p:cNvPr>
@@ -6975,15 +7174,118 @@
         </p:blipFill>
         <p:spPr>
           <a:xfrm>
-            <a:off x="2286001" y="2057401"/>
-            <a:ext cx="7247888" cy="4529930"/>
+            <a:off x="67238" y="2057401"/>
+            <a:ext cx="12072474" cy="1810870"/>
           </a:xfrm>
         </p:spPr>
       </p:pic>
+      <p:sp>
+        <p:nvSpPr>
+          <p:cNvPr id="10" name="TextBox 9">
+            <a:extLst>
+              <a:ext uri="{FF2B5EF4-FFF2-40B4-BE49-F238E27FC236}">
+                <a16:creationId xmlns:a16="http://schemas.microsoft.com/office/drawing/2014/main" id="{7584D2A6-3E04-4705-AEE1-F98467F92139}"/>
+              </a:ext>
+            </a:extLst>
+          </p:cNvPr>
+          <p:cNvSpPr txBox="1"/>
+          <p:nvPr/>
+        </p:nvSpPr>
+        <p:spPr>
+          <a:xfrm>
+            <a:off x="1393544" y="4262718"/>
+            <a:ext cx="9631098" cy="1569660"/>
+          </a:xfrm>
+          <a:prstGeom prst="rect">
+            <a:avLst/>
+          </a:prstGeom>
+          <a:solidFill>
+            <a:schemeClr val="bg2">
+              <a:lumMod val="60000"/>
+              <a:lumOff val="40000"/>
+            </a:schemeClr>
+          </a:solidFill>
+        </p:spPr>
+        <p:txBody>
+          <a:bodyPr wrap="square" rtlCol="0">
+            <a:spAutoFit/>
+          </a:bodyPr>
+          <a:lstStyle/>
+          <a:p>
+            <a:pPr marL="342900" indent="-342900">
+              <a:buFont typeface="Arial" panose="020B0604020202020204" pitchFamily="34" charset="0"/>
+              <a:buChar char="•"/>
+            </a:pPr>
+            <a:r>
+              <a:rPr lang="en-US" sz="2400" dirty="0"/>
+              <a:t>Mecklenburg County is number 1 in total population</a:t>
+            </a:r>
+          </a:p>
+          <a:p>
+            <a:pPr marL="342900" indent="-342900">
+              <a:buFont typeface="Arial" panose="020B0604020202020204" pitchFamily="34" charset="0"/>
+              <a:buChar char="•"/>
+            </a:pPr>
+            <a:r>
+              <a:rPr lang="en-US" sz="2400" dirty="0"/>
+              <a:t>Mecklenburg County is number 2 in Numeric Change</a:t>
+            </a:r>
+          </a:p>
+          <a:p>
+            <a:pPr marL="342900" indent="-342900">
+              <a:buFont typeface="Arial" panose="020B0604020202020204" pitchFamily="34" charset="0"/>
+              <a:buChar char="•"/>
+            </a:pPr>
+            <a:r>
+              <a:rPr lang="en-US" sz="2400" dirty="0"/>
+              <a:t>Mecklenburg County is number 3 in Growth Rate</a:t>
+            </a:r>
+          </a:p>
+          <a:p>
+            <a:pPr marL="342900" indent="-342900">
+              <a:buFont typeface="Arial" panose="020B0604020202020204" pitchFamily="34" charset="0"/>
+              <a:buChar char="•"/>
+            </a:pPr>
+            <a:r>
+              <a:rPr lang="en-US" sz="2400" dirty="0"/>
+              <a:t>Mecklenburg Counties Growth Rate is 17%</a:t>
+            </a:r>
+          </a:p>
+        </p:txBody>
+      </p:sp>
+      <p:sp>
+        <p:nvSpPr>
+          <p:cNvPr id="3" name="Footer Placeholder 2">
+            <a:extLst>
+              <a:ext uri="{FF2B5EF4-FFF2-40B4-BE49-F238E27FC236}">
+                <a16:creationId xmlns:a16="http://schemas.microsoft.com/office/drawing/2014/main" id="{15347FBD-FD6B-4502-B3F7-962BA3AFF5AF}"/>
+              </a:ext>
+            </a:extLst>
+          </p:cNvPr>
+          <p:cNvSpPr>
+            <a:spLocks noGrp="1"/>
+          </p:cNvSpPr>
+          <p:nvPr>
+            <p:ph type="ftr" sz="quarter" idx="11"/>
+          </p:nvPr>
+        </p:nvSpPr>
+        <p:spPr/>
+        <p:txBody>
+          <a:bodyPr/>
+          <a:lstStyle/>
+          <a:p>
+            <a:r>
+              <a:rPr lang="en-US"/>
+              <a:t>NC county population by growth rate.ipynb</a:t>
+            </a:r>
+            <a:endParaRPr lang="en-US" dirty="0"/>
+          </a:p>
+        </p:txBody>
+      </p:sp>
     </p:spTree>
     <p:extLst>
       <p:ext uri="{BB962C8B-B14F-4D97-AF65-F5344CB8AC3E}">
-        <p14:creationId xmlns:p14="http://schemas.microsoft.com/office/powerpoint/2010/main" val="3678414954"/>
+        <p14:creationId xmlns:p14="http://schemas.microsoft.com/office/powerpoint/2010/main" val="3365969115"/>
       </p:ext>
     </p:extLst>
   </p:cSld>
@@ -7015,7 +7317,7 @@
           <p:cNvPr id="2" name="Title 1">
             <a:extLst>
               <a:ext uri="{FF2B5EF4-FFF2-40B4-BE49-F238E27FC236}">
-                <a16:creationId xmlns:a16="http://schemas.microsoft.com/office/drawing/2014/main" id="{936526B7-4EA1-2147-B7B5-ABD2B8AFAE7D}"/>
+                <a16:creationId xmlns:a16="http://schemas.microsoft.com/office/drawing/2014/main" id="{CE411B2D-13B0-8E4F-9D7E-495B3AC1A064}"/>
               </a:ext>
             </a:extLst>
           </p:cNvPr>
@@ -7033,17 +7335,22 @@
           <a:p>
             <a:r>
               <a:rPr lang="en-US" dirty="0"/>
-              <a:t>Livelihood : Housing prices </a:t>
-            </a:r>
+              <a:t>Population </a:t>
+            </a:r>
+            <a:r>
+              <a:rPr lang="en-US" dirty="0" err="1"/>
+              <a:t>CHange</a:t>
+            </a:r>
+            <a:endParaRPr lang="en-US" dirty="0"/>
           </a:p>
         </p:txBody>
       </p:sp>
       <p:pic>
         <p:nvPicPr>
-          <p:cNvPr id="17" name="Content Placeholder 16">
+          <p:cNvPr id="5" name="Content Placeholder 4">
             <a:extLst>
               <a:ext uri="{FF2B5EF4-FFF2-40B4-BE49-F238E27FC236}">
-                <a16:creationId xmlns:a16="http://schemas.microsoft.com/office/drawing/2014/main" id="{70F59381-5A80-4767-8FE0-C7F559193CC6}"/>
+                <a16:creationId xmlns:a16="http://schemas.microsoft.com/office/drawing/2014/main" id="{B6590EF7-454C-496C-A488-E495A97E9A0F}"/>
               </a:ext>
             </a:extLst>
           </p:cNvPr>
@@ -7062,15 +7369,48 @@
         </p:blipFill>
         <p:spPr>
           <a:xfrm>
-            <a:off x="2993925" y="1921542"/>
-            <a:ext cx="6204149" cy="4024313"/>
+            <a:off x="2286001" y="1716742"/>
+            <a:ext cx="7247888" cy="4529930"/>
           </a:xfrm>
         </p:spPr>
       </p:pic>
+      <p:sp>
+        <p:nvSpPr>
+          <p:cNvPr id="3" name="Footer Placeholder 2">
+            <a:extLst>
+              <a:ext uri="{FF2B5EF4-FFF2-40B4-BE49-F238E27FC236}">
+                <a16:creationId xmlns:a16="http://schemas.microsoft.com/office/drawing/2014/main" id="{CC26E80C-B904-4E3F-B868-09B1058650A9}"/>
+              </a:ext>
+            </a:extLst>
+          </p:cNvPr>
+          <p:cNvSpPr>
+            <a:spLocks noGrp="1"/>
+          </p:cNvSpPr>
+          <p:nvPr>
+            <p:ph type="ftr" sz="quarter" idx="11"/>
+          </p:nvPr>
+        </p:nvSpPr>
+        <p:spPr/>
+        <p:txBody>
+          <a:bodyPr/>
+          <a:lstStyle/>
+          <a:p>
+            <a:r>
+              <a:rPr lang="en-US" dirty="0"/>
+              <a:t>Mecklenburg vs Wake Line Plot </a:t>
+            </a:r>
+            <a:r>
+              <a:rPr lang="en-US" dirty="0" err="1"/>
+              <a:t>Visualization.ipynb</a:t>
+            </a:r>
+            <a:endParaRPr lang="en-US" dirty="0"/>
+          </a:p>
+        </p:txBody>
+      </p:sp>
     </p:spTree>
     <p:extLst>
       <p:ext uri="{BB962C8B-B14F-4D97-AF65-F5344CB8AC3E}">
-        <p14:creationId xmlns:p14="http://schemas.microsoft.com/office/powerpoint/2010/main" val="3713838827"/>
+        <p14:creationId xmlns:p14="http://schemas.microsoft.com/office/powerpoint/2010/main" val="3678414954"/>
       </p:ext>
     </p:extLst>
   </p:cSld>
@@ -7102,7 +7442,7 @@
           <p:cNvPr id="2" name="Title 1">
             <a:extLst>
               <a:ext uri="{FF2B5EF4-FFF2-40B4-BE49-F238E27FC236}">
-                <a16:creationId xmlns:a16="http://schemas.microsoft.com/office/drawing/2014/main" id="{EBE37CE4-5F06-6C45-8CD6-444084176D69}"/>
+                <a16:creationId xmlns:a16="http://schemas.microsoft.com/office/drawing/2014/main" id="{936526B7-4EA1-2147-B7B5-ABD2B8AFAE7D}"/>
               </a:ext>
             </a:extLst>
           </p:cNvPr>
@@ -7113,29 +7453,24 @@
             <p:ph type="title"/>
           </p:nvPr>
         </p:nvSpPr>
-        <p:spPr>
-          <a:xfrm>
-            <a:off x="2895600" y="764373"/>
-            <a:ext cx="8610600" cy="976878"/>
-          </a:xfrm>
-        </p:spPr>
+        <p:spPr/>
         <p:txBody>
           <a:bodyPr/>
           <a:lstStyle/>
           <a:p>
             <a:r>
               <a:rPr lang="en-US" dirty="0"/>
-              <a:t>Economy : salary</a:t>
+              <a:t>Livelihood : Housing prices </a:t>
             </a:r>
           </a:p>
         </p:txBody>
       </p:sp>
       <p:pic>
         <p:nvPicPr>
-          <p:cNvPr id="5" name="Content Placeholder 4">
+          <p:cNvPr id="17" name="Content Placeholder 16">
             <a:extLst>
               <a:ext uri="{FF2B5EF4-FFF2-40B4-BE49-F238E27FC236}">
-                <a16:creationId xmlns:a16="http://schemas.microsoft.com/office/drawing/2014/main" id="{A3A5A1CF-DEC6-403A-9015-B6E9C976B5BB}"/>
+                <a16:creationId xmlns:a16="http://schemas.microsoft.com/office/drawing/2014/main" id="{70F59381-5A80-4767-8FE0-C7F559193CC6}"/>
               </a:ext>
             </a:extLst>
           </p:cNvPr>
@@ -7154,15 +7489,48 @@
         </p:blipFill>
         <p:spPr>
           <a:xfrm>
-            <a:off x="2990088" y="1920240"/>
-            <a:ext cx="6208776" cy="4051287"/>
+            <a:off x="2993925" y="1921542"/>
+            <a:ext cx="6204149" cy="4024313"/>
           </a:xfrm>
         </p:spPr>
       </p:pic>
+      <p:sp>
+        <p:nvSpPr>
+          <p:cNvPr id="3" name="Footer Placeholder 2">
+            <a:extLst>
+              <a:ext uri="{FF2B5EF4-FFF2-40B4-BE49-F238E27FC236}">
+                <a16:creationId xmlns:a16="http://schemas.microsoft.com/office/drawing/2014/main" id="{8B4E291D-D615-4D68-9909-0E26081B3315}"/>
+              </a:ext>
+            </a:extLst>
+          </p:cNvPr>
+          <p:cNvSpPr>
+            <a:spLocks noGrp="1"/>
+          </p:cNvSpPr>
+          <p:nvPr>
+            <p:ph type="ftr" sz="quarter" idx="11"/>
+          </p:nvPr>
+        </p:nvSpPr>
+        <p:spPr/>
+        <p:txBody>
+          <a:bodyPr/>
+          <a:lstStyle/>
+          <a:p>
+            <a:r>
+              <a:rPr lang="en-US" dirty="0"/>
+              <a:t>Zillow Data - </a:t>
+            </a:r>
+            <a:r>
+              <a:rPr lang="en-US" dirty="0" err="1"/>
+              <a:t>Copy.ipynb</a:t>
+            </a:r>
+            <a:endParaRPr lang="en-US" dirty="0"/>
+          </a:p>
+        </p:txBody>
+      </p:sp>
     </p:spTree>
     <p:extLst>
       <p:ext uri="{BB962C8B-B14F-4D97-AF65-F5344CB8AC3E}">
-        <p14:creationId xmlns:p14="http://schemas.microsoft.com/office/powerpoint/2010/main" val="2707272370"/>
+        <p14:creationId xmlns:p14="http://schemas.microsoft.com/office/powerpoint/2010/main" val="3713838827"/>
       </p:ext>
     </p:extLst>
   </p:cSld>
@@ -7194,7 +7562,7 @@
           <p:cNvPr id="2" name="Title 1">
             <a:extLst>
               <a:ext uri="{FF2B5EF4-FFF2-40B4-BE49-F238E27FC236}">
-                <a16:creationId xmlns:a16="http://schemas.microsoft.com/office/drawing/2014/main" id="{AE94B664-3425-BA4E-8691-7E703DE227AB}"/>
+                <a16:creationId xmlns:a16="http://schemas.microsoft.com/office/drawing/2014/main" id="{EBE37CE4-5F06-6C45-8CD6-444084176D69}"/>
               </a:ext>
             </a:extLst>
           </p:cNvPr>
@@ -7205,14 +7573,19 @@
             <p:ph type="title"/>
           </p:nvPr>
         </p:nvSpPr>
-        <p:spPr/>
+        <p:spPr>
+          <a:xfrm>
+            <a:off x="2895600" y="764373"/>
+            <a:ext cx="8610600" cy="976878"/>
+          </a:xfrm>
+        </p:spPr>
         <p:txBody>
           <a:bodyPr/>
           <a:lstStyle/>
           <a:p>
             <a:r>
               <a:rPr lang="en-US" dirty="0"/>
-              <a:t>Economy : Poverty  </a:t>
+              <a:t>Economy : salary</a:t>
             </a:r>
           </a:p>
         </p:txBody>
@@ -7222,7 +7595,7 @@
           <p:cNvPr id="5" name="Content Placeholder 4">
             <a:extLst>
               <a:ext uri="{FF2B5EF4-FFF2-40B4-BE49-F238E27FC236}">
-                <a16:creationId xmlns:a16="http://schemas.microsoft.com/office/drawing/2014/main" id="{FE70BF56-62E4-4E5C-B0FE-4A779D7DC483}"/>
+                <a16:creationId xmlns:a16="http://schemas.microsoft.com/office/drawing/2014/main" id="{A3A5A1CF-DEC6-403A-9015-B6E9C976B5BB}"/>
               </a:ext>
             </a:extLst>
           </p:cNvPr>
@@ -7241,15 +7614,48 @@
         </p:blipFill>
         <p:spPr>
           <a:xfrm>
-            <a:off x="3728301" y="1681269"/>
-            <a:ext cx="4892511" cy="4892511"/>
+            <a:off x="2990088" y="1920240"/>
+            <a:ext cx="6208776" cy="4051287"/>
           </a:xfrm>
         </p:spPr>
       </p:pic>
+      <p:sp>
+        <p:nvSpPr>
+          <p:cNvPr id="3" name="Footer Placeholder 2">
+            <a:extLst>
+              <a:ext uri="{FF2B5EF4-FFF2-40B4-BE49-F238E27FC236}">
+                <a16:creationId xmlns:a16="http://schemas.microsoft.com/office/drawing/2014/main" id="{38ED66D4-EA9B-47E7-9630-1CCA7F4B0DFB}"/>
+              </a:ext>
+            </a:extLst>
+          </p:cNvPr>
+          <p:cNvSpPr>
+            <a:spLocks noGrp="1"/>
+          </p:cNvSpPr>
+          <p:nvPr>
+            <p:ph type="ftr" sz="quarter" idx="11"/>
+          </p:nvPr>
+        </p:nvSpPr>
+        <p:spPr/>
+        <p:txBody>
+          <a:bodyPr/>
+          <a:lstStyle/>
+          <a:p>
+            <a:r>
+              <a:rPr lang="en-US" dirty="0"/>
+              <a:t>Salary Data - </a:t>
+            </a:r>
+            <a:r>
+              <a:rPr lang="en-US" dirty="0" err="1"/>
+              <a:t>Copy.ipynb</a:t>
+            </a:r>
+            <a:endParaRPr lang="en-US" dirty="0"/>
+          </a:p>
+        </p:txBody>
+      </p:sp>
     </p:spTree>
     <p:extLst>
       <p:ext uri="{BB962C8B-B14F-4D97-AF65-F5344CB8AC3E}">
-        <p14:creationId xmlns:p14="http://schemas.microsoft.com/office/powerpoint/2010/main" val="3919581632"/>
+        <p14:creationId xmlns:p14="http://schemas.microsoft.com/office/powerpoint/2010/main" val="2707272370"/>
       </p:ext>
     </p:extLst>
   </p:cSld>
@@ -7281,7 +7687,7 @@
           <p:cNvPr id="2" name="Title 1">
             <a:extLst>
               <a:ext uri="{FF2B5EF4-FFF2-40B4-BE49-F238E27FC236}">
-                <a16:creationId xmlns:a16="http://schemas.microsoft.com/office/drawing/2014/main" id="{DC1622A1-51F8-EA40-A8FF-F992CCCA3A1C}"/>
+                <a16:creationId xmlns:a16="http://schemas.microsoft.com/office/drawing/2014/main" id="{AE94B664-3425-BA4E-8691-7E703DE227AB}"/>
               </a:ext>
             </a:extLst>
           </p:cNvPr>
@@ -7299,7 +7705,7 @@
           <a:p>
             <a:r>
               <a:rPr lang="en-US" dirty="0"/>
-              <a:t>Economy : cost of living</a:t>
+              <a:t>Economy : Poverty  </a:t>
             </a:r>
           </a:p>
         </p:txBody>
@@ -7309,7 +7715,7 @@
           <p:cNvPr id="5" name="Content Placeholder 4">
             <a:extLst>
               <a:ext uri="{FF2B5EF4-FFF2-40B4-BE49-F238E27FC236}">
-                <a16:creationId xmlns:a16="http://schemas.microsoft.com/office/drawing/2014/main" id="{42E6CA74-A927-411E-99BA-B7BD5079216E}"/>
+                <a16:creationId xmlns:a16="http://schemas.microsoft.com/office/drawing/2014/main" id="{FE70BF56-62E4-4E5C-B0FE-4A779D7DC483}"/>
               </a:ext>
             </a:extLst>
           </p:cNvPr>
@@ -7328,15 +7734,48 @@
         </p:blipFill>
         <p:spPr>
           <a:xfrm>
-            <a:off x="2795047" y="1729819"/>
-            <a:ext cx="6602636" cy="4951978"/>
+            <a:off x="3728301" y="1681269"/>
+            <a:ext cx="4892511" cy="4892511"/>
           </a:xfrm>
         </p:spPr>
       </p:pic>
+      <p:sp>
+        <p:nvSpPr>
+          <p:cNvPr id="3" name="Footer Placeholder 2">
+            <a:extLst>
+              <a:ext uri="{FF2B5EF4-FFF2-40B4-BE49-F238E27FC236}">
+                <a16:creationId xmlns:a16="http://schemas.microsoft.com/office/drawing/2014/main" id="{CAAB63AF-9EDD-420C-A4D2-F9042302016C}"/>
+              </a:ext>
+            </a:extLst>
+          </p:cNvPr>
+          <p:cNvSpPr>
+            <a:spLocks noGrp="1"/>
+          </p:cNvSpPr>
+          <p:nvPr>
+            <p:ph type="ftr" sz="quarter" idx="11"/>
+          </p:nvPr>
+        </p:nvSpPr>
+        <p:spPr/>
+        <p:txBody>
+          <a:bodyPr/>
+          <a:lstStyle/>
+          <a:p>
+            <a:r>
+              <a:rPr lang="en-US" dirty="0"/>
+              <a:t>Poverty </a:t>
+            </a:r>
+            <a:r>
+              <a:rPr lang="en-US" dirty="0" err="1"/>
+              <a:t>Trends.ipynb</a:t>
+            </a:r>
+            <a:endParaRPr lang="en-US" dirty="0"/>
+          </a:p>
+        </p:txBody>
+      </p:sp>
     </p:spTree>
     <p:extLst>
       <p:ext uri="{BB962C8B-B14F-4D97-AF65-F5344CB8AC3E}">
-        <p14:creationId xmlns:p14="http://schemas.microsoft.com/office/powerpoint/2010/main" val="505135139"/>
+        <p14:creationId xmlns:p14="http://schemas.microsoft.com/office/powerpoint/2010/main" val="3919581632"/>
       </p:ext>
     </p:extLst>
   </p:cSld>
@@ -7368,7 +7807,7 @@
           <p:cNvPr id="2" name="Title 1">
             <a:extLst>
               <a:ext uri="{FF2B5EF4-FFF2-40B4-BE49-F238E27FC236}">
-                <a16:creationId xmlns:a16="http://schemas.microsoft.com/office/drawing/2014/main" id="{67956FD4-0C36-3E40-9213-2FF483F7538D}"/>
+                <a16:creationId xmlns:a16="http://schemas.microsoft.com/office/drawing/2014/main" id="{DC1622A1-51F8-EA40-A8FF-F992CCCA3A1C}"/>
               </a:ext>
             </a:extLst>
           </p:cNvPr>
@@ -7386,17 +7825,17 @@
           <a:p>
             <a:r>
               <a:rPr lang="en-US" dirty="0"/>
-              <a:t>Community : Homelessness</a:t>
+              <a:t>Economy : cost of living</a:t>
             </a:r>
           </a:p>
         </p:txBody>
       </p:sp>
       <p:pic>
         <p:nvPicPr>
-          <p:cNvPr id="9" name="Content Placeholder 8">
+          <p:cNvPr id="5" name="Content Placeholder 4">
             <a:extLst>
               <a:ext uri="{FF2B5EF4-FFF2-40B4-BE49-F238E27FC236}">
-                <a16:creationId xmlns:a16="http://schemas.microsoft.com/office/drawing/2014/main" id="{478AEBEB-7594-4194-B523-FAC938C7C722}"/>
+                <a16:creationId xmlns:a16="http://schemas.microsoft.com/office/drawing/2014/main" id="{42E6CA74-A927-411E-99BA-B7BD5079216E}"/>
               </a:ext>
             </a:extLst>
           </p:cNvPr>
@@ -7415,15 +7854,44 @@
         </p:blipFill>
         <p:spPr>
           <a:xfrm>
-            <a:off x="2876549" y="2193925"/>
-            <a:ext cx="6438901" cy="4024313"/>
+            <a:off x="2626657" y="1698442"/>
+            <a:ext cx="6121083" cy="4590813"/>
           </a:xfrm>
         </p:spPr>
       </p:pic>
+      <p:sp>
+        <p:nvSpPr>
+          <p:cNvPr id="3" name="Footer Placeholder 2">
+            <a:extLst>
+              <a:ext uri="{FF2B5EF4-FFF2-40B4-BE49-F238E27FC236}">
+                <a16:creationId xmlns:a16="http://schemas.microsoft.com/office/drawing/2014/main" id="{B300747C-A433-484A-B7CF-7DEDC4AEECEC}"/>
+              </a:ext>
+            </a:extLst>
+          </p:cNvPr>
+          <p:cNvSpPr>
+            <a:spLocks noGrp="1"/>
+          </p:cNvSpPr>
+          <p:nvPr>
+            <p:ph type="ftr" sz="quarter" idx="11"/>
+          </p:nvPr>
+        </p:nvSpPr>
+        <p:spPr/>
+        <p:txBody>
+          <a:bodyPr/>
+          <a:lstStyle/>
+          <a:p>
+            <a:r>
+              <a:rPr lang="en-US" dirty="0" err="1"/>
+              <a:t>Cost_of_Living.ipynb</a:t>
+            </a:r>
+            <a:endParaRPr lang="en-US" dirty="0"/>
+          </a:p>
+        </p:txBody>
+      </p:sp>
     </p:spTree>
     <p:extLst>
       <p:ext uri="{BB962C8B-B14F-4D97-AF65-F5344CB8AC3E}">
-        <p14:creationId xmlns:p14="http://schemas.microsoft.com/office/powerpoint/2010/main" val="2333377690"/>
+        <p14:creationId xmlns:p14="http://schemas.microsoft.com/office/powerpoint/2010/main" val="505135139"/>
       </p:ext>
     </p:extLst>
   </p:cSld>

--- a/Group Project one .pptx
+++ b/Group Project one .pptx
@@ -7465,12 +7465,45 @@
           </a:p>
         </p:txBody>
       </p:sp>
+      <p:sp>
+        <p:nvSpPr>
+          <p:cNvPr id="3" name="Footer Placeholder 2">
+            <a:extLst>
+              <a:ext uri="{FF2B5EF4-FFF2-40B4-BE49-F238E27FC236}">
+                <a16:creationId xmlns:a16="http://schemas.microsoft.com/office/drawing/2014/main" id="{8B4E291D-D615-4D68-9909-0E26081B3315}"/>
+              </a:ext>
+            </a:extLst>
+          </p:cNvPr>
+          <p:cNvSpPr>
+            <a:spLocks noGrp="1"/>
+          </p:cNvSpPr>
+          <p:nvPr>
+            <p:ph type="ftr" sz="quarter" idx="11"/>
+          </p:nvPr>
+        </p:nvSpPr>
+        <p:spPr/>
+        <p:txBody>
+          <a:bodyPr/>
+          <a:lstStyle/>
+          <a:p>
+            <a:r>
+              <a:rPr lang="en-US" dirty="0"/>
+              <a:t>Zillow Data - </a:t>
+            </a:r>
+            <a:r>
+              <a:rPr lang="en-US" dirty="0" err="1"/>
+              <a:t>Copy.ipynb</a:t>
+            </a:r>
+            <a:endParaRPr lang="en-US" dirty="0"/>
+          </a:p>
+        </p:txBody>
+      </p:sp>
       <p:pic>
         <p:nvPicPr>
-          <p:cNvPr id="17" name="Content Placeholder 16">
+          <p:cNvPr id="7" name="Content Placeholder 6">
             <a:extLst>
               <a:ext uri="{FF2B5EF4-FFF2-40B4-BE49-F238E27FC236}">
-                <a16:creationId xmlns:a16="http://schemas.microsoft.com/office/drawing/2014/main" id="{70F59381-5A80-4767-8FE0-C7F559193CC6}"/>
+                <a16:creationId xmlns:a16="http://schemas.microsoft.com/office/drawing/2014/main" id="{CDA03D88-19A2-4A23-A154-0705A3BA35EA}"/>
               </a:ext>
             </a:extLst>
           </p:cNvPr>
@@ -7489,44 +7522,11 @@
         </p:blipFill>
         <p:spPr>
           <a:xfrm>
-            <a:off x="2993925" y="1921542"/>
+            <a:off x="2993925" y="1920240"/>
             <a:ext cx="6204149" cy="4024313"/>
           </a:xfrm>
         </p:spPr>
       </p:pic>
-      <p:sp>
-        <p:nvSpPr>
-          <p:cNvPr id="3" name="Footer Placeholder 2">
-            <a:extLst>
-              <a:ext uri="{FF2B5EF4-FFF2-40B4-BE49-F238E27FC236}">
-                <a16:creationId xmlns:a16="http://schemas.microsoft.com/office/drawing/2014/main" id="{8B4E291D-D615-4D68-9909-0E26081B3315}"/>
-              </a:ext>
-            </a:extLst>
-          </p:cNvPr>
-          <p:cNvSpPr>
-            <a:spLocks noGrp="1"/>
-          </p:cNvSpPr>
-          <p:nvPr>
-            <p:ph type="ftr" sz="quarter" idx="11"/>
-          </p:nvPr>
-        </p:nvSpPr>
-        <p:spPr/>
-        <p:txBody>
-          <a:bodyPr/>
-          <a:lstStyle/>
-          <a:p>
-            <a:r>
-              <a:rPr lang="en-US" dirty="0"/>
-              <a:t>Zillow Data - </a:t>
-            </a:r>
-            <a:r>
-              <a:rPr lang="en-US" dirty="0" err="1"/>
-              <a:t>Copy.ipynb</a:t>
-            </a:r>
-            <a:endParaRPr lang="en-US" dirty="0"/>
-          </a:p>
-        </p:txBody>
-      </p:sp>
     </p:spTree>
     <p:extLst>
       <p:ext uri="{BB962C8B-B14F-4D97-AF65-F5344CB8AC3E}">
@@ -7590,12 +7590,45 @@
           </a:p>
         </p:txBody>
       </p:sp>
+      <p:sp>
+        <p:nvSpPr>
+          <p:cNvPr id="3" name="Footer Placeholder 2">
+            <a:extLst>
+              <a:ext uri="{FF2B5EF4-FFF2-40B4-BE49-F238E27FC236}">
+                <a16:creationId xmlns:a16="http://schemas.microsoft.com/office/drawing/2014/main" id="{38ED66D4-EA9B-47E7-9630-1CCA7F4B0DFB}"/>
+              </a:ext>
+            </a:extLst>
+          </p:cNvPr>
+          <p:cNvSpPr>
+            <a:spLocks noGrp="1"/>
+          </p:cNvSpPr>
+          <p:nvPr>
+            <p:ph type="ftr" sz="quarter" idx="11"/>
+          </p:nvPr>
+        </p:nvSpPr>
+        <p:spPr/>
+        <p:txBody>
+          <a:bodyPr/>
+          <a:lstStyle/>
+          <a:p>
+            <a:r>
+              <a:rPr lang="en-US" dirty="0"/>
+              <a:t>Salary Data - </a:t>
+            </a:r>
+            <a:r>
+              <a:rPr lang="en-US" dirty="0" err="1"/>
+              <a:t>Copy.ipynb</a:t>
+            </a:r>
+            <a:endParaRPr lang="en-US" dirty="0"/>
+          </a:p>
+        </p:txBody>
+      </p:sp>
       <p:pic>
         <p:nvPicPr>
-          <p:cNvPr id="5" name="Content Placeholder 4">
+          <p:cNvPr id="8" name="Content Placeholder 7">
             <a:extLst>
               <a:ext uri="{FF2B5EF4-FFF2-40B4-BE49-F238E27FC236}">
-                <a16:creationId xmlns:a16="http://schemas.microsoft.com/office/drawing/2014/main" id="{A3A5A1CF-DEC6-403A-9015-B6E9C976B5BB}"/>
+                <a16:creationId xmlns:a16="http://schemas.microsoft.com/office/drawing/2014/main" id="{41D4C642-A6FE-45E6-AD4A-B319CDD82E1C}"/>
               </a:ext>
             </a:extLst>
           </p:cNvPr>
@@ -7615,43 +7648,10 @@
         <p:spPr>
           <a:xfrm>
             <a:off x="2990088" y="1920240"/>
-            <a:ext cx="6208776" cy="4051287"/>
+            <a:ext cx="6208776" cy="4051286"/>
           </a:xfrm>
         </p:spPr>
       </p:pic>
-      <p:sp>
-        <p:nvSpPr>
-          <p:cNvPr id="3" name="Footer Placeholder 2">
-            <a:extLst>
-              <a:ext uri="{FF2B5EF4-FFF2-40B4-BE49-F238E27FC236}">
-                <a16:creationId xmlns:a16="http://schemas.microsoft.com/office/drawing/2014/main" id="{38ED66D4-EA9B-47E7-9630-1CCA7F4B0DFB}"/>
-              </a:ext>
-            </a:extLst>
-          </p:cNvPr>
-          <p:cNvSpPr>
-            <a:spLocks noGrp="1"/>
-          </p:cNvSpPr>
-          <p:nvPr>
-            <p:ph type="ftr" sz="quarter" idx="11"/>
-          </p:nvPr>
-        </p:nvSpPr>
-        <p:spPr/>
-        <p:txBody>
-          <a:bodyPr/>
-          <a:lstStyle/>
-          <a:p>
-            <a:r>
-              <a:rPr lang="en-US" dirty="0"/>
-              <a:t>Salary Data - </a:t>
-            </a:r>
-            <a:r>
-              <a:rPr lang="en-US" dirty="0" err="1"/>
-              <a:t>Copy.ipynb</a:t>
-            </a:r>
-            <a:endParaRPr lang="en-US" dirty="0"/>
-          </a:p>
-        </p:txBody>
-      </p:sp>
     </p:spTree>
     <p:extLst>
       <p:ext uri="{BB962C8B-B14F-4D97-AF65-F5344CB8AC3E}">
